--- a/C++/C++.pptx
+++ b/C++/C++.pptx
@@ -16014,7 +16014,7 @@
         </p:spPr>
         <p:txBody>
           <a:bodyPr>
-            <a:normAutofit lnSpcReduction="10000"/>
+            <a:normAutofit/>
           </a:bodyPr>
           <a:lstStyle/>
           <a:p>
@@ -16158,7 +16158,7 @@
                   </a:schemeClr>
                 </a:solidFill>
               </a:rPr>
-              <a:t>null </a:t>
+              <a:t>char </a:t>
             </a:r>
             <a:r>
               <a:rPr lang="sv-SE" dirty="0">
@@ -16169,7 +16169,7 @@
                   </a:schemeClr>
                 </a:solidFill>
               </a:rPr>
-              <a:t>för okända värden – en fristående typ som har ett enda värde null</a:t>
+              <a:t>enstaka tecken</a:t>
             </a:r>
           </a:p>
           <a:p>
@@ -16183,7 +16183,7 @@
                   </a:schemeClr>
                 </a:solidFill>
               </a:rPr>
-              <a:t>undefined </a:t>
+              <a:t>double </a:t>
             </a:r>
             <a:r>
               <a:rPr lang="sv-SE" dirty="0">
@@ -16194,7 +16194,7 @@
                   </a:schemeClr>
                 </a:solidFill>
               </a:rPr>
-              <a:t>odefinierat för otilldelade värden – en fristående typ som har ett odefinerat värde</a:t>
+              <a:t>decimaltal</a:t>
             </a:r>
             <a:endParaRPr lang="sv-SE" dirty="0">
               <a:solidFill>
@@ -16216,7 +16216,7 @@
                   </a:schemeClr>
                 </a:solidFill>
               </a:rPr>
-              <a:t>object </a:t>
+              <a:t>auto </a:t>
             </a:r>
             <a:r>
               <a:rPr lang="sv-SE" dirty="0">
@@ -16227,7 +16227,7 @@
                   </a:schemeClr>
                 </a:solidFill>
               </a:rPr>
-              <a:t>för mer komplexa datastrukturer</a:t>
+              <a:t>låter kompilatorn avgöra typen automatiskt</a:t>
             </a:r>
             <a:endParaRPr lang="sv-SE" dirty="0">
               <a:solidFill>
@@ -16252,27 +16252,15 @@
             </a:endParaRPr>
           </a:p>
           <a:p>
-            <a:r>
-              <a:rPr lang="sv-SE" dirty="0"/>
-              <a:t>Vi kan tilldela valfri typ i en variabel. Till exempel kan en variabel i ett ögonblick vara en sträng och sedan lagra ett nummer:</a:t>
-            </a:r>
-          </a:p>
-          <a:p>
             <a:pPr marL="0" indent="0">
               <a:buNone/>
             </a:pPr>
             <a:endParaRPr lang="sv-SE" dirty="0"/>
           </a:p>
           <a:p>
-            <a:pPr marL="0" indent="0">
-              <a:buNone/>
-            </a:pPr>
-            <a:endParaRPr lang="sv-SE" dirty="0"/>
-          </a:p>
-          <a:p>
-            <a:r>
-              <a:rPr lang="sv-SE" dirty="0"/>
-              <a:t>Programmeringsspråk som tillåter sådana saker, till exempel JavaScript, kallas ”</a:t>
+            <a:r>
+              <a:rPr lang="sv-SE" dirty="0"/>
+              <a:t>Till skillnad från JavaScript är C++ ett ”</a:t>
             </a:r>
             <a:r>
               <a:rPr lang="sv-SE" dirty="0">
@@ -16283,11 +16271,18 @@
                   </a:schemeClr>
                 </a:solidFill>
               </a:rPr>
-              <a:t>dynamiskt typade</a:t>
-            </a:r>
-            <a:r>
-              <a:rPr lang="sv-SE" dirty="0"/>
-              <a:t>”, vilket innebär att det finns datatyper, men variabler är inte bundna till någon av dem.</a:t>
+              <a:t>statiskt typat</a:t>
+            </a:r>
+            <a:r>
+              <a:rPr lang="sv-SE" dirty="0"/>
+              <a:t>” språk.</a:t>
+            </a:r>
+            <a:br>
+              <a:rPr lang="sv-SE" dirty="0"/>
+            </a:br>
+            <a:r>
+              <a:rPr lang="sv-SE" dirty="0"/>
+              <a:t>Det betyder att en variabel har en fast typ som inte kan ändras efter deklarationen.</a:t>
             </a:r>
           </a:p>
           <a:p>
@@ -16300,10 +16295,10 @@
       </p:sp>
       <p:pic>
         <p:nvPicPr>
-          <p:cNvPr id="3" name="Picture 2">
+          <p:cNvPr id="6" name="Picture 5">
             <a:extLst>
               <a:ext uri="{FF2B5EF4-FFF2-40B4-BE49-F238E27FC236}">
-                <a16:creationId xmlns:a16="http://schemas.microsoft.com/office/drawing/2014/main" id="{63873876-DD73-41E5-BAC9-92E9FA868DAE}"/>
+                <a16:creationId xmlns:a16="http://schemas.microsoft.com/office/drawing/2014/main" id="{B1011038-2054-03F8-6834-12D1D2A0997F}"/>
               </a:ext>
             </a:extLst>
           </p:cNvPr>
@@ -16320,8 +16315,8 @@
         </p:blipFill>
         <p:spPr>
           <a:xfrm>
-            <a:off x="4704731" y="4883028"/>
-            <a:ext cx="6677025" cy="981075"/>
+            <a:off x="7515957" y="2834214"/>
+            <a:ext cx="2983314" cy="2004598"/>
           </a:xfrm>
           <a:prstGeom prst="rect">
             <a:avLst/>
@@ -16425,7 +16420,7 @@
           <a:p>
             <a:r>
               <a:rPr lang="sv-SE" dirty="0"/>
-              <a:t>Följande matematikoperationer stöds:</a:t>
+              <a:t>Följande matematikoperationer stöds i C++:</a:t>
             </a:r>
           </a:p>
           <a:p>
@@ -16501,6 +16496,36 @@
             </a:r>
           </a:p>
           <a:p>
+            <a:pPr lvl="2"/>
+            <a:r>
+              <a:rPr lang="sv-SE" sz="1400" dirty="0"/>
+              <a:t>Vid heltalsdivision (</a:t>
+            </a:r>
+            <a:r>
+              <a:rPr lang="sv-SE" sz="1400" dirty="0" err="1"/>
+              <a:t>int</a:t>
+            </a:r>
+            <a:r>
+              <a:rPr lang="sv-SE" sz="1400" dirty="0"/>
+              <a:t>/</a:t>
+            </a:r>
+            <a:r>
+              <a:rPr lang="sv-SE" sz="1400" dirty="0" err="1"/>
+              <a:t>int</a:t>
+            </a:r>
+            <a:r>
+              <a:rPr lang="sv-SE" sz="1400" dirty="0"/>
+              <a:t>) försvinner decimalerna!</a:t>
+            </a:r>
+          </a:p>
+          <a:p>
+            <a:pPr lvl="2"/>
+            <a:r>
+              <a:rPr lang="sv-SE" sz="1400" dirty="0"/>
+              <a:t>Exempel: 5/2 ger 2, inte 2.5</a:t>
+            </a:r>
+          </a:p>
+          <a:p>
             <a:pPr lvl="1"/>
             <a:r>
               <a:rPr lang="sv-SE" sz="1600" dirty="0"/>
@@ -16574,62 +16599,10 @@
             </a:r>
           </a:p>
           <a:p>
-            <a:pPr marL="914400" lvl="2" indent="0">
-              <a:buNone/>
-            </a:pPr>
-            <a:endParaRPr lang="sv-SE" dirty="0">
-              <a:solidFill>
-                <a:schemeClr val="tx2">
-                  <a:lumMod val="75000"/>
-                  <a:lumOff val="25000"/>
-                </a:schemeClr>
-              </a:solidFill>
-            </a:endParaRPr>
-          </a:p>
-          <a:p>
-            <a:pPr marL="914400" lvl="2" indent="0">
-              <a:buNone/>
-            </a:pPr>
-            <a:endParaRPr lang="sv-SE" dirty="0"/>
-          </a:p>
-          <a:p>
-            <a:pPr lvl="1"/>
-            <a:r>
-              <a:rPr lang="sv-SE" sz="1600" dirty="0"/>
-              <a:t>Exponentopreatorn</a:t>
-            </a:r>
-            <a:r>
-              <a:rPr lang="sv-SE" sz="1600" dirty="0">
-                <a:solidFill>
-                  <a:schemeClr val="tx2">
-                    <a:lumMod val="75000"/>
-                    <a:lumOff val="25000"/>
-                  </a:schemeClr>
-                </a:solidFill>
-              </a:rPr>
-              <a:t> </a:t>
-            </a:r>
-            <a:r>
-              <a:rPr lang="sv-SE" sz="1600" dirty="0"/>
-              <a:t>(upphöjt till) </a:t>
-            </a:r>
-            <a:r>
-              <a:rPr lang="sv-SE" sz="1600" dirty="0">
-                <a:solidFill>
-                  <a:schemeClr val="tx2">
-                    <a:lumMod val="75000"/>
-                    <a:lumOff val="25000"/>
-                  </a:schemeClr>
-                </a:solidFill>
-              </a:rPr>
-              <a:t>**</a:t>
-            </a:r>
-          </a:p>
-          <a:p>
             <a:pPr lvl="2"/>
             <a:r>
               <a:rPr lang="sv-SE" sz="1400" dirty="0"/>
-              <a:t>Exponentoperatorn </a:t>
+              <a:t>Exempel</a:t>
             </a:r>
             <a:r>
               <a:rPr lang="sv-SE" sz="1400" dirty="0">
@@ -16640,11 +16613,11 @@
                   </a:schemeClr>
                 </a:solidFill>
               </a:rPr>
-              <a:t>a**b</a:t>
+              <a:t> 7 % 3 </a:t>
             </a:r>
             <a:r>
               <a:rPr lang="sv-SE" sz="1400" dirty="0"/>
-              <a:t> multiplicerar </a:t>
+              <a:t>ger</a:t>
             </a:r>
             <a:r>
               <a:rPr lang="sv-SE" sz="1400" dirty="0">
@@ -16655,12 +16628,23 @@
                   </a:schemeClr>
                 </a:solidFill>
               </a:rPr>
-              <a:t>a</a:t>
-            </a:r>
-            <a:r>
-              <a:rPr lang="sv-SE" sz="1400" dirty="0"/>
-              <a:t> med sig själv </a:t>
-            </a:r>
+              <a:t> 1</a:t>
+            </a:r>
+            <a:endParaRPr lang="sv-SE" dirty="0"/>
+          </a:p>
+          <a:p>
+            <a:pPr lvl="1"/>
+            <a:r>
+              <a:rPr lang="sv-SE" sz="1600" dirty="0" err="1"/>
+              <a:t>Exponentiering</a:t>
+            </a:r>
+            <a:r>
+              <a:rPr lang="sv-SE" sz="1600" dirty="0"/>
+              <a:t> (upphöjt till)</a:t>
+            </a:r>
+          </a:p>
+          <a:p>
+            <a:pPr lvl="2"/>
             <a:r>
               <a:rPr lang="sv-SE" sz="1400" dirty="0">
                 <a:solidFill>
@@ -16670,35 +16654,36 @@
                   </a:schemeClr>
                 </a:solidFill>
               </a:rPr>
-              <a:t>b</a:t>
+              <a:t>C++ </a:t>
             </a:r>
             <a:r>
               <a:rPr lang="sv-SE" sz="1400" dirty="0"/>
-              <a:t> gånger</a:t>
-            </a:r>
-          </a:p>
-          <a:p>
-            <a:pPr lvl="2"/>
-            <a:endParaRPr lang="sv-SE" dirty="0"/>
-          </a:p>
-          <a:p>
-            <a:pPr marL="914400" lvl="2" indent="0">
-              <a:buNone/>
-            </a:pPr>
-            <a:endParaRPr lang="sv-SE" dirty="0"/>
-          </a:p>
-          <a:p>
-            <a:r>
-              <a:rPr lang="sv-SE" sz="1600" dirty="0" err="1"/>
-              <a:t>Strängkonkatenering</a:t>
-            </a:r>
-            <a:r>
-              <a:rPr lang="sv-SE" sz="1600" dirty="0"/>
-              <a:t>: vanligtvis summerar plusoperatorn nummer, men om operatorn + tillämpas på strängar, slås strängarna ihop.</a:t>
-            </a:r>
-          </a:p>
-          <a:p>
-            <a:endParaRPr lang="sv-SE" dirty="0"/>
+              <a:t>har ingen inbyggd operator för upphöjt till, men man kan använda funktionen </a:t>
+            </a:r>
+            <a:r>
+              <a:rPr lang="sv-SE" sz="1400" dirty="0" err="1"/>
+              <a:t>pow</a:t>
+            </a:r>
+            <a:r>
+              <a:rPr lang="sv-SE" sz="1400" dirty="0"/>
+              <a:t>() från &lt;</a:t>
+            </a:r>
+            <a:r>
+              <a:rPr lang="sv-SE" sz="1400" dirty="0" err="1"/>
+              <a:t>cmath</a:t>
+            </a:r>
+            <a:r>
+              <a:rPr lang="sv-SE" sz="1400" dirty="0"/>
+              <a:t>&gt;</a:t>
+            </a:r>
+            <a:endParaRPr lang="sv-SE" sz="1400" dirty="0">
+              <a:solidFill>
+                <a:schemeClr val="tx2">
+                  <a:lumMod val="75000"/>
+                  <a:lumOff val="25000"/>
+                </a:schemeClr>
+              </a:solidFill>
+            </a:endParaRPr>
           </a:p>
           <a:p>
             <a:pPr marL="0" indent="0">
@@ -16707,24 +16692,31 @@
             <a:endParaRPr lang="sv-SE" dirty="0"/>
           </a:p>
           <a:p>
-            <a:endParaRPr lang="sv-SE" dirty="0"/>
-          </a:p>
-          <a:p>
-            <a:endParaRPr lang="sv-SE" dirty="0"/>
-          </a:p>
-          <a:p>
-            <a:endParaRPr lang="sv-SE" dirty="0"/>
-          </a:p>
-          <a:p>
-            <a:endParaRPr lang="sv-SE" dirty="0"/>
-          </a:p>
-          <a:p>
             <a:pPr marL="0" indent="0">
               <a:buNone/>
             </a:pPr>
             <a:endParaRPr lang="sv-SE" dirty="0"/>
           </a:p>
           <a:p>
+            <a:r>
+              <a:rPr lang="sv-SE" dirty="0" err="1"/>
+              <a:t>Strängkonkatenering</a:t>
+            </a:r>
+            <a:r>
+              <a:rPr lang="sv-SE" dirty="0"/>
+              <a:t>: I C++ använder man + för att slå ihop (konkatenera) strängar.</a:t>
+            </a:r>
+          </a:p>
+          <a:p>
+            <a:endParaRPr lang="sv-SE" dirty="0"/>
+          </a:p>
+          <a:p>
+            <a:endParaRPr lang="sv-SE" dirty="0"/>
+          </a:p>
+          <a:p>
+            <a:endParaRPr lang="sv-SE" dirty="0"/>
+          </a:p>
+          <a:p>
             <a:endParaRPr lang="sv-SE" dirty="0"/>
           </a:p>
           <a:p>
@@ -16734,7 +16726,6 @@
             <a:endParaRPr lang="sv-SE" dirty="0"/>
           </a:p>
           <a:p>
-            <a:pPr lvl="1"/>
             <a:endParaRPr lang="sv-SE" dirty="0"/>
           </a:p>
           <a:p>
@@ -16743,14 +16734,24 @@
             </a:pPr>
             <a:endParaRPr lang="sv-SE" dirty="0"/>
           </a:p>
+          <a:p>
+            <a:pPr lvl="1"/>
+            <a:endParaRPr lang="sv-SE" dirty="0"/>
+          </a:p>
+          <a:p>
+            <a:pPr marL="0" indent="0">
+              <a:buNone/>
+            </a:pPr>
+            <a:endParaRPr lang="sv-SE" dirty="0"/>
+          </a:p>
         </p:txBody>
       </p:sp>
       <p:pic>
         <p:nvPicPr>
-          <p:cNvPr id="4" name="Picture 3">
+          <p:cNvPr id="8" name="Picture 7">
             <a:extLst>
               <a:ext uri="{FF2B5EF4-FFF2-40B4-BE49-F238E27FC236}">
-                <a16:creationId xmlns:a16="http://schemas.microsoft.com/office/drawing/2014/main" id="{1AAF6EC4-CE98-4ACE-BCFD-98F64FA7AE0F}"/>
+                <a16:creationId xmlns:a16="http://schemas.microsoft.com/office/drawing/2014/main" id="{7698C49C-191E-0F98-214F-12594778DB76}"/>
               </a:ext>
             </a:extLst>
           </p:cNvPr>
@@ -16767,8 +16768,8 @@
         </p:blipFill>
         <p:spPr>
           <a:xfrm>
-            <a:off x="2396970" y="3666953"/>
-            <a:ext cx="5574668" cy="607694"/>
+            <a:off x="2215542" y="5306218"/>
+            <a:ext cx="4077053" cy="556308"/>
           </a:xfrm>
           <a:prstGeom prst="rect">
             <a:avLst/>
@@ -16777,10 +16778,10 @@
       </p:pic>
       <p:pic>
         <p:nvPicPr>
-          <p:cNvPr id="6" name="Picture 5">
+          <p:cNvPr id="10" name="Picture 9">
             <a:extLst>
               <a:ext uri="{FF2B5EF4-FFF2-40B4-BE49-F238E27FC236}">
-                <a16:creationId xmlns:a16="http://schemas.microsoft.com/office/drawing/2014/main" id="{7DE5D563-745A-4E43-9F71-602C020ED7DB}"/>
+                <a16:creationId xmlns:a16="http://schemas.microsoft.com/office/drawing/2014/main" id="{FD9AB4F5-FC3E-FDF0-5C49-24D879643F1C}"/>
               </a:ext>
             </a:extLst>
           </p:cNvPr>
@@ -16797,44 +16798,55 @@
         </p:blipFill>
         <p:spPr>
           <a:xfrm>
-            <a:off x="2396970" y="4924470"/>
-            <a:ext cx="5303113" cy="665759"/>
+            <a:off x="6847463" y="1214283"/>
+            <a:ext cx="4534293" cy="1082134"/>
           </a:xfrm>
           <a:prstGeom prst="rect">
             <a:avLst/>
           </a:prstGeom>
         </p:spPr>
       </p:pic>
-      <p:pic>
-        <p:nvPicPr>
-          <p:cNvPr id="7" name="Picture 6">
+      <p:cxnSp>
+        <p:nvCxnSpPr>
+          <p:cNvPr id="11" name="Straight Arrow Connector 10">
             <a:extLst>
               <a:ext uri="{FF2B5EF4-FFF2-40B4-BE49-F238E27FC236}">
-                <a16:creationId xmlns:a16="http://schemas.microsoft.com/office/drawing/2014/main" id="{D23C6CB3-4559-4E4E-9485-9A9117F300FC}"/>
+                <a16:creationId xmlns:a16="http://schemas.microsoft.com/office/drawing/2014/main" id="{AED86D63-CECD-3877-601B-406EFA8C7FC3}"/>
               </a:ext>
             </a:extLst>
           </p:cNvPr>
-          <p:cNvPicPr>
-            <a:picLocks noChangeAspect="1"/>
-          </p:cNvPicPr>
+          <p:cNvCxnSpPr>
+            <a:cxnSpLocks/>
+          </p:cNvCxnSpPr>
           <p:nvPr/>
-        </p:nvPicPr>
-        <p:blipFill>
-          <a:blip r:embed="rId5"/>
-          <a:stretch>
-            <a:fillRect/>
-          </a:stretch>
-        </p:blipFill>
+        </p:nvCxnSpPr>
         <p:spPr>
-          <a:xfrm>
-            <a:off x="3025482" y="6029688"/>
-            <a:ext cx="5024575" cy="624948"/>
+          <a:xfrm flipH="1" flipV="1">
+            <a:off x="9617529" y="2296417"/>
+            <a:ext cx="653142" cy="4057622"/>
           </a:xfrm>
-          <a:prstGeom prst="rect">
+          <a:prstGeom prst="straightConnector1">
             <a:avLst/>
           </a:prstGeom>
+          <a:ln>
+            <a:tailEnd type="triangle"/>
+          </a:ln>
         </p:spPr>
-      </p:pic>
+        <p:style>
+          <a:lnRef idx="1">
+            <a:schemeClr val="accent1"/>
+          </a:lnRef>
+          <a:fillRef idx="0">
+            <a:schemeClr val="accent1"/>
+          </a:fillRef>
+          <a:effectRef idx="0">
+            <a:schemeClr val="accent1"/>
+          </a:effectRef>
+          <a:fontRef idx="minor">
+            <a:schemeClr val="tx1"/>
+          </a:fontRef>
+        </p:style>
+      </p:cxnSp>
     </p:spTree>
     <p:extLst>
       <p:ext uri="{BB962C8B-B14F-4D97-AF65-F5344CB8AC3E}">

--- a/C++/C++.pptx
+++ b/C++/C++.pptx
@@ -26,8 +26,8 @@
     <p:sldId id="277" r:id="rId17"/>
     <p:sldId id="278" r:id="rId18"/>
     <p:sldId id="279" r:id="rId19"/>
-    <p:sldId id="280" r:id="rId20"/>
-    <p:sldId id="281" r:id="rId21"/>
+    <p:sldId id="281" r:id="rId20"/>
+    <p:sldId id="288" r:id="rId21"/>
     <p:sldId id="283" r:id="rId22"/>
     <p:sldId id="284" r:id="rId23"/>
     <p:sldId id="286" r:id="rId24"/>
@@ -243,7 +243,7 @@
           <a:p>
             <a:fld id="{18E9A1B5-1BE4-4CD6-80C4-143959F034D3}" type="datetimeFigureOut">
               <a:rPr lang="en-US" smtClean="0"/>
-              <a:t>8/26/2025</a:t>
+              <a:t>8/28/2025</a:t>
             </a:fld>
             <a:endParaRPr lang="en-US" dirty="0"/>
           </a:p>
@@ -420,7 +420,7 @@
           <a:p>
             <a:fld id="{D8E6120A-21AF-4F12-ABAA-66A70823631B}" type="datetimeFigureOut">
               <a:rPr lang="en-US" smtClean="0"/>
-              <a:t>8/26/2025</a:t>
+              <a:t>8/28/2025</a:t>
             </a:fld>
             <a:endParaRPr lang="en-US" dirty="0"/>
           </a:p>
@@ -1158,7 +1158,7 @@
     </p:spTree>
     <p:extLst>
       <p:ext uri="{BB962C8B-B14F-4D97-AF65-F5344CB8AC3E}">
-        <p14:creationId xmlns:p14="http://schemas.microsoft.com/office/powerpoint/2010/main" val="1809868886"/>
+        <p14:creationId xmlns:p14="http://schemas.microsoft.com/office/powerpoint/2010/main" val="4133369805"/>
       </p:ext>
     </p:extLst>
   </p:cSld>
@@ -1173,7 +1173,13 @@
   <p:cSld>
     <p:spTree>
       <p:nvGrpSpPr>
-        <p:cNvPr id="1" name=""/>
+        <p:cNvPr id="1" name="">
+          <a:extLst>
+            <a:ext uri="{FF2B5EF4-FFF2-40B4-BE49-F238E27FC236}">
+              <a16:creationId xmlns:a16="http://schemas.microsoft.com/office/drawing/2014/main" id="{8C90C2E3-DBC8-6D4F-6554-3403A5497C5A}"/>
+            </a:ext>
+          </a:extLst>
+        </p:cNvPr>
         <p:cNvGrpSpPr/>
         <p:nvPr/>
       </p:nvGrpSpPr>
@@ -1187,7 +1193,13 @@
       </p:grpSpPr>
       <p:sp>
         <p:nvSpPr>
-          <p:cNvPr id="2" name="Slide Image Placeholder 1"/>
+          <p:cNvPr id="2" name="Slide Image Placeholder 1">
+            <a:extLst>
+              <a:ext uri="{FF2B5EF4-FFF2-40B4-BE49-F238E27FC236}">
+                <a16:creationId xmlns:a16="http://schemas.microsoft.com/office/drawing/2014/main" id="{5C04766B-FE06-CB27-D79B-D99B694CB604}"/>
+              </a:ext>
+            </a:extLst>
+          </p:cNvPr>
           <p:cNvSpPr>
             <a:spLocks noGrp="1" noRot="1" noChangeAspect="1"/>
           </p:cNvSpPr>
@@ -1199,7 +1211,13 @@
       </p:sp>
       <p:sp>
         <p:nvSpPr>
-          <p:cNvPr id="3" name="Notes Placeholder 2"/>
+          <p:cNvPr id="3" name="Notes Placeholder 2">
+            <a:extLst>
+              <a:ext uri="{FF2B5EF4-FFF2-40B4-BE49-F238E27FC236}">
+                <a16:creationId xmlns:a16="http://schemas.microsoft.com/office/drawing/2014/main" id="{43B4F9C1-3443-0A79-CF48-85E0FCBF0B26}"/>
+              </a:ext>
+            </a:extLst>
+          </p:cNvPr>
           <p:cNvSpPr>
             <a:spLocks noGrp="1"/>
           </p:cNvSpPr>
@@ -1225,7 +1243,13 @@
       </p:sp>
       <p:sp>
         <p:nvSpPr>
-          <p:cNvPr id="4" name="Slide Number Placeholder 3"/>
+          <p:cNvPr id="4" name="Slide Number Placeholder 3">
+            <a:extLst>
+              <a:ext uri="{FF2B5EF4-FFF2-40B4-BE49-F238E27FC236}">
+                <a16:creationId xmlns:a16="http://schemas.microsoft.com/office/drawing/2014/main" id="{10E58889-08B5-5EC8-60EC-05350392A3E8}"/>
+              </a:ext>
+            </a:extLst>
+          </p:cNvPr>
           <p:cNvSpPr>
             <a:spLocks noGrp="1"/>
           </p:cNvSpPr>
@@ -1249,7 +1273,7 @@
     </p:spTree>
     <p:extLst>
       <p:ext uri="{BB962C8B-B14F-4D97-AF65-F5344CB8AC3E}">
-        <p14:creationId xmlns:p14="http://schemas.microsoft.com/office/powerpoint/2010/main" val="4133369805"/>
+        <p14:creationId xmlns:p14="http://schemas.microsoft.com/office/powerpoint/2010/main" val="1313054440"/>
       </p:ext>
     </p:extLst>
   </p:cSld>
@@ -3549,7 +3573,7 @@
           <a:p>
             <a:fld id="{EF63B152-7103-4FFE-90AC-D94EB7F44A7E}" type="datetimeFigureOut">
               <a:rPr lang="en-US" smtClean="0"/>
-              <a:t>8/26/2025</a:t>
+              <a:t>8/28/2025</a:t>
             </a:fld>
             <a:endParaRPr lang="en-US" dirty="0"/>
           </a:p>
@@ -3787,7 +3811,7 @@
           <a:p>
             <a:fld id="{EF63B152-7103-4FFE-90AC-D94EB7F44A7E}" type="datetimeFigureOut">
               <a:rPr lang="en-US" smtClean="0"/>
-              <a:t>8/26/2025</a:t>
+              <a:t>8/28/2025</a:t>
             </a:fld>
             <a:endParaRPr lang="en-US" dirty="0"/>
           </a:p>
@@ -3967,7 +3991,7 @@
           <a:p>
             <a:fld id="{EF63B152-7103-4FFE-90AC-D94EB7F44A7E}" type="datetimeFigureOut">
               <a:rPr lang="en-US" smtClean="0"/>
-              <a:t>8/26/2025</a:t>
+              <a:t>8/28/2025</a:t>
             </a:fld>
             <a:endParaRPr lang="en-US" dirty="0"/>
           </a:p>
@@ -4137,7 +4161,7 @@
           <a:p>
             <a:fld id="{EF63B152-7103-4FFE-90AC-D94EB7F44A7E}" type="datetimeFigureOut">
               <a:rPr lang="en-US" smtClean="0"/>
-              <a:t>8/26/2025</a:t>
+              <a:t>8/28/2025</a:t>
             </a:fld>
             <a:endParaRPr lang="en-US" dirty="0"/>
           </a:p>
@@ -4413,7 +4437,7 @@
           <a:p>
             <a:fld id="{EF63B152-7103-4FFE-90AC-D94EB7F44A7E}" type="datetimeFigureOut">
               <a:rPr lang="en-US" smtClean="0"/>
-              <a:t>8/26/2025</a:t>
+              <a:t>8/28/2025</a:t>
             </a:fld>
             <a:endParaRPr lang="en-US" dirty="0"/>
           </a:p>
@@ -5614,7 +5638,7 @@
           <a:p>
             <a:fld id="{EF63B152-7103-4FFE-90AC-D94EB7F44A7E}" type="datetimeFigureOut">
               <a:rPr lang="en-US" smtClean="0"/>
-              <a:t>8/26/2025</a:t>
+              <a:t>8/28/2025</a:t>
             </a:fld>
             <a:endParaRPr lang="en-US" dirty="0"/>
           </a:p>
@@ -6004,7 +6028,7 @@
           <a:p>
             <a:fld id="{EF63B152-7103-4FFE-90AC-D94EB7F44A7E}" type="datetimeFigureOut">
               <a:rPr lang="en-US" smtClean="0"/>
-              <a:t>8/26/2025</a:t>
+              <a:t>8/28/2025</a:t>
             </a:fld>
             <a:endParaRPr lang="en-US" dirty="0"/>
           </a:p>
@@ -6127,7 +6151,7 @@
           <a:p>
             <a:fld id="{EF63B152-7103-4FFE-90AC-D94EB7F44A7E}" type="datetimeFigureOut">
               <a:rPr lang="en-US" smtClean="0"/>
-              <a:t>8/26/2025</a:t>
+              <a:t>8/28/2025</a:t>
             </a:fld>
             <a:endParaRPr lang="en-US" dirty="0"/>
           </a:p>
@@ -6222,7 +6246,7 @@
           <a:p>
             <a:fld id="{EF63B152-7103-4FFE-90AC-D94EB7F44A7E}" type="datetimeFigureOut">
               <a:rPr lang="en-US" smtClean="0"/>
-              <a:t>8/26/2025</a:t>
+              <a:t>8/28/2025</a:t>
             </a:fld>
             <a:endParaRPr lang="en-US" dirty="0"/>
           </a:p>
@@ -6985,7 +7009,7 @@
           <a:p>
             <a:fld id="{EF63B152-7103-4FFE-90AC-D94EB7F44A7E}" type="datetimeFigureOut">
               <a:rPr lang="en-US" smtClean="0"/>
-              <a:t>8/26/2025</a:t>
+              <a:t>8/28/2025</a:t>
             </a:fld>
             <a:endParaRPr lang="en-US" dirty="0"/>
           </a:p>
@@ -7825,7 +7849,7 @@
           <a:p>
             <a:fld id="{EF63B152-7103-4FFE-90AC-D94EB7F44A7E}" type="datetimeFigureOut">
               <a:rPr lang="en-US" smtClean="0"/>
-              <a:t>8/26/2025</a:t>
+              <a:t>8/28/2025</a:t>
             </a:fld>
             <a:endParaRPr lang="en-US" dirty="0"/>
           </a:p>
@@ -8052,7 +8076,7 @@
           <a:p>
             <a:fld id="{EF63B152-7103-4FFE-90AC-D94EB7F44A7E}" type="datetimeFigureOut">
               <a:rPr lang="en-US" smtClean="0"/>
-              <a:t>8/26/2025</a:t>
+              <a:t>8/28/2025</a:t>
             </a:fld>
             <a:endParaRPr lang="en-US" dirty="0"/>
           </a:p>
@@ -9408,36 +9432,6 @@
       </p:pic>
       <p:pic>
         <p:nvPicPr>
-          <p:cNvPr id="8" name="Picture 7">
-            <a:extLst>
-              <a:ext uri="{FF2B5EF4-FFF2-40B4-BE49-F238E27FC236}">
-                <a16:creationId xmlns:a16="http://schemas.microsoft.com/office/drawing/2014/main" id="{2B2D2EF4-3624-4D38-A9FD-27367FB668B3}"/>
-              </a:ext>
-            </a:extLst>
-          </p:cNvPr>
-          <p:cNvPicPr>
-            <a:picLocks noChangeAspect="1"/>
-          </p:cNvPicPr>
-          <p:nvPr/>
-        </p:nvPicPr>
-        <p:blipFill>
-          <a:blip r:embed="rId4"/>
-          <a:stretch>
-            <a:fillRect/>
-          </a:stretch>
-        </p:blipFill>
-        <p:spPr>
-          <a:xfrm>
-            <a:off x="7473115" y="3311192"/>
-            <a:ext cx="3790950" cy="1066800"/>
-          </a:xfrm>
-          <a:prstGeom prst="rect">
-            <a:avLst/>
-          </a:prstGeom>
-        </p:spPr>
-      </p:pic>
-      <p:pic>
-        <p:nvPicPr>
           <p:cNvPr id="10" name="Picture 9">
             <a:extLst>
               <a:ext uri="{FF2B5EF4-FFF2-40B4-BE49-F238E27FC236}">
@@ -9451,7 +9445,7 @@
           <p:nvPr/>
         </p:nvPicPr>
         <p:blipFill>
-          <a:blip r:embed="rId5"/>
+          <a:blip r:embed="rId4"/>
           <a:stretch>
             <a:fillRect/>
           </a:stretch>
@@ -9481,7 +9475,7 @@
           <p:nvPr/>
         </p:nvPicPr>
         <p:blipFill>
-          <a:blip r:embed="rId6"/>
+          <a:blip r:embed="rId5"/>
           <a:stretch>
             <a:fillRect/>
           </a:stretch>
@@ -9490,6 +9484,36 @@
           <a:xfrm>
             <a:off x="6792895" y="5633471"/>
             <a:ext cx="3238500" cy="1085850"/>
+          </a:xfrm>
+          <a:prstGeom prst="rect">
+            <a:avLst/>
+          </a:prstGeom>
+        </p:spPr>
+      </p:pic>
+      <p:pic>
+        <p:nvPicPr>
+          <p:cNvPr id="6" name="Picture 5">
+            <a:extLst>
+              <a:ext uri="{FF2B5EF4-FFF2-40B4-BE49-F238E27FC236}">
+                <a16:creationId xmlns:a16="http://schemas.microsoft.com/office/drawing/2014/main" id="{832CB643-2638-70EF-F7C9-6F6DD0FBEACD}"/>
+              </a:ext>
+            </a:extLst>
+          </p:cNvPr>
+          <p:cNvPicPr>
+            <a:picLocks noChangeAspect="1"/>
+          </p:cNvPicPr>
+          <p:nvPr/>
+        </p:nvPicPr>
+        <p:blipFill>
+          <a:blip r:embed="rId6"/>
+          <a:stretch>
+            <a:fillRect/>
+          </a:stretch>
+        </p:blipFill>
+        <p:spPr>
+          <a:xfrm>
+            <a:off x="7996019" y="3184561"/>
+            <a:ext cx="1882303" cy="1272650"/>
           </a:xfrm>
           <a:prstGeom prst="rect">
             <a:avLst/>
@@ -9705,66 +9729,6 @@
           </a:p>
         </p:txBody>
       </p:sp>
-      <p:pic>
-        <p:nvPicPr>
-          <p:cNvPr id="4" name="Picture 3">
-            <a:extLst>
-              <a:ext uri="{FF2B5EF4-FFF2-40B4-BE49-F238E27FC236}">
-                <a16:creationId xmlns:a16="http://schemas.microsoft.com/office/drawing/2014/main" id="{C0F25E91-4AD2-4887-8475-18800D71D95B}"/>
-              </a:ext>
-            </a:extLst>
-          </p:cNvPr>
-          <p:cNvPicPr>
-            <a:picLocks noChangeAspect="1"/>
-          </p:cNvPicPr>
-          <p:nvPr/>
-        </p:nvPicPr>
-        <p:blipFill>
-          <a:blip r:embed="rId3"/>
-          <a:stretch>
-            <a:fillRect/>
-          </a:stretch>
-        </p:blipFill>
-        <p:spPr>
-          <a:xfrm>
-            <a:off x="1494672" y="1135480"/>
-            <a:ext cx="3876675" cy="704850"/>
-          </a:xfrm>
-          <a:prstGeom prst="rect">
-            <a:avLst/>
-          </a:prstGeom>
-        </p:spPr>
-      </p:pic>
-      <p:pic>
-        <p:nvPicPr>
-          <p:cNvPr id="6" name="Picture 5">
-            <a:extLst>
-              <a:ext uri="{FF2B5EF4-FFF2-40B4-BE49-F238E27FC236}">
-                <a16:creationId xmlns:a16="http://schemas.microsoft.com/office/drawing/2014/main" id="{8225AF68-AC95-4B93-A142-999589971D25}"/>
-              </a:ext>
-            </a:extLst>
-          </p:cNvPr>
-          <p:cNvPicPr>
-            <a:picLocks noChangeAspect="1"/>
-          </p:cNvPicPr>
-          <p:nvPr/>
-        </p:nvPicPr>
-        <p:blipFill>
-          <a:blip r:embed="rId4"/>
-          <a:stretch>
-            <a:fillRect/>
-          </a:stretch>
-        </p:blipFill>
-        <p:spPr>
-          <a:xfrm>
-            <a:off x="1494672" y="2402146"/>
-            <a:ext cx="5724525" cy="771525"/>
-          </a:xfrm>
-          <a:prstGeom prst="rect">
-            <a:avLst/>
-          </a:prstGeom>
-        </p:spPr>
-      </p:pic>
       <p:graphicFrame>
         <p:nvGraphicFramePr>
           <p:cNvPr id="7" name="Table 8">
@@ -9780,7 +9744,7 @@
           <p:nvPr>
             <p:extLst>
               <p:ext uri="{D42A27DB-BD31-4B8C-83A1-F6EECF244321}">
-                <p14:modId xmlns:p14="http://schemas.microsoft.com/office/powerpoint/2010/main" val="785547501"/>
+                <p14:modId xmlns:p14="http://schemas.microsoft.com/office/powerpoint/2010/main" val="2040174502"/>
               </p:ext>
             </p:extLst>
           </p:nvPr>
@@ -10003,6 +9967,17 @@
                     <a:lstStyle/>
                     <a:p>
                       <a:r>
+                        <a:rPr lang="sv-SE" dirty="0" err="1">
+                          <a:solidFill>
+                            <a:schemeClr val="tx1">
+                              <a:lumMod val="75000"/>
+                              <a:lumOff val="25000"/>
+                            </a:schemeClr>
+                          </a:solidFill>
+                        </a:rPr>
+                        <a:t>cout</a:t>
+                      </a:r>
+                      <a:r>
                         <a:rPr lang="sv-SE" dirty="0">
                           <a:solidFill>
                             <a:schemeClr val="tx1">
@@ -10011,7 +9986,7 @@
                             </a:schemeClr>
                           </a:solidFill>
                         </a:rPr>
-                        <a:t>alert(i)</a:t>
+                        <a:t> &lt;&lt; i</a:t>
                       </a:r>
                     </a:p>
                   </a:txBody>
@@ -10114,6 +10089,66 @@
           </a:graphicData>
         </a:graphic>
       </p:graphicFrame>
+      <p:pic>
+        <p:nvPicPr>
+          <p:cNvPr id="8" name="Picture 7">
+            <a:extLst>
+              <a:ext uri="{FF2B5EF4-FFF2-40B4-BE49-F238E27FC236}">
+                <a16:creationId xmlns:a16="http://schemas.microsoft.com/office/drawing/2014/main" id="{60D9D4AC-BC16-CADB-AA82-EF5AB9D2D3ED}"/>
+              </a:ext>
+            </a:extLst>
+          </p:cNvPr>
+          <p:cNvPicPr>
+            <a:picLocks noChangeAspect="1"/>
+          </p:cNvPicPr>
+          <p:nvPr/>
+        </p:nvPicPr>
+        <p:blipFill>
+          <a:blip r:embed="rId3"/>
+          <a:stretch>
+            <a:fillRect/>
+          </a:stretch>
+        </p:blipFill>
+        <p:spPr>
+          <a:xfrm>
+            <a:off x="6101443" y="679270"/>
+            <a:ext cx="3413156" cy="1110791"/>
+          </a:xfrm>
+          <a:prstGeom prst="rect">
+            <a:avLst/>
+          </a:prstGeom>
+        </p:spPr>
+      </p:pic>
+      <p:pic>
+        <p:nvPicPr>
+          <p:cNvPr id="10" name="Picture 9">
+            <a:extLst>
+              <a:ext uri="{FF2B5EF4-FFF2-40B4-BE49-F238E27FC236}">
+                <a16:creationId xmlns:a16="http://schemas.microsoft.com/office/drawing/2014/main" id="{A7BD84E5-C82A-2901-B016-DD844E725783}"/>
+              </a:ext>
+            </a:extLst>
+          </p:cNvPr>
+          <p:cNvPicPr>
+            <a:picLocks noChangeAspect="1"/>
+          </p:cNvPicPr>
+          <p:nvPr/>
+        </p:nvPicPr>
+        <p:blipFill>
+          <a:blip r:embed="rId4"/>
+          <a:stretch>
+            <a:fillRect/>
+          </a:stretch>
+        </p:blipFill>
+        <p:spPr>
+          <a:xfrm>
+            <a:off x="6096000" y="2443836"/>
+            <a:ext cx="3665538" cy="815411"/>
+          </a:xfrm>
+          <a:prstGeom prst="rect">
+            <a:avLst/>
+          </a:prstGeom>
+        </p:spPr>
+      </p:pic>
     </p:spTree>
     <p:extLst>
       <p:ext uri="{BB962C8B-B14F-4D97-AF65-F5344CB8AC3E}">
@@ -10420,10 +10455,10 @@
       </p:sp>
       <p:pic>
         <p:nvPicPr>
-          <p:cNvPr id="3" name="Picture 2">
+          <p:cNvPr id="6" name="Picture 5">
             <a:extLst>
               <a:ext uri="{FF2B5EF4-FFF2-40B4-BE49-F238E27FC236}">
-                <a16:creationId xmlns:a16="http://schemas.microsoft.com/office/drawing/2014/main" id="{5BE33D04-0514-4F3B-B578-DDF6EBA12622}"/>
+                <a16:creationId xmlns:a16="http://schemas.microsoft.com/office/drawing/2014/main" id="{8CAF2577-AD59-E0C8-CE0F-EFB191122BE7}"/>
               </a:ext>
             </a:extLst>
           </p:cNvPr>
@@ -10440,38 +10475,8 @@
         </p:blipFill>
         <p:spPr>
           <a:xfrm>
-            <a:off x="7766826" y="1789215"/>
-            <a:ext cx="3090671" cy="2014063"/>
-          </a:xfrm>
-          <a:prstGeom prst="rect">
-            <a:avLst/>
-          </a:prstGeom>
-        </p:spPr>
-      </p:pic>
-      <p:pic>
-        <p:nvPicPr>
-          <p:cNvPr id="8" name="Picture 7">
-            <a:extLst>
-              <a:ext uri="{FF2B5EF4-FFF2-40B4-BE49-F238E27FC236}">
-                <a16:creationId xmlns:a16="http://schemas.microsoft.com/office/drawing/2014/main" id="{036D7BEE-F96F-432F-B2E7-BCF19C0B52C4}"/>
-              </a:ext>
-            </a:extLst>
-          </p:cNvPr>
-          <p:cNvPicPr>
-            <a:picLocks noChangeAspect="1"/>
-          </p:cNvPicPr>
-          <p:nvPr/>
-        </p:nvPicPr>
-        <p:blipFill>
-          <a:blip r:embed="rId4"/>
-          <a:stretch>
-            <a:fillRect/>
-          </a:stretch>
-        </p:blipFill>
-        <p:spPr>
-          <a:xfrm>
-            <a:off x="7766826" y="3905715"/>
-            <a:ext cx="3494733" cy="2924540"/>
+            <a:off x="8058561" y="2196165"/>
+            <a:ext cx="3063505" cy="2941575"/>
           </a:xfrm>
           <a:prstGeom prst="rect">
             <a:avLst/>
@@ -10578,13 +10583,13 @@
           <a:p>
             <a:r>
               <a:rPr lang="sv-SE" dirty="0"/>
-              <a:t>Väldigt ofta måste vi utföra samma uppgift på många platser i ett program, tex visa ett meddelande, göra en beräkning, logga in eller ut en användare osv.</a:t>
-            </a:r>
-          </a:p>
-          <a:p>
-            <a:r>
-              <a:rPr lang="sv-SE" dirty="0"/>
-              <a:t>Funktioner tillåter ett block kod grupperas och anropas utan att repetera koden.</a:t>
+              <a:t>Ofta måste vi utföra samma uppgift på flera ställen i ett program, tex visa ett meddelande, göra en beräkning, logga in eller ut en användare.</a:t>
+            </a:r>
+          </a:p>
+          <a:p>
+            <a:r>
+              <a:rPr lang="sv-SE" dirty="0"/>
+              <a:t>Funktioner låter oss gruppera kod och anropa den vid behov utan att duplicera.</a:t>
             </a:r>
           </a:p>
           <a:p>
@@ -10600,33 +10605,23 @@
             </a:pPr>
             <a:r>
               <a:rPr lang="sv-SE" dirty="0"/>
-              <a:t>nyckelordet </a:t>
-            </a:r>
-            <a:r>
-              <a:rPr lang="sv-SE" dirty="0" err="1">
-                <a:solidFill>
-                  <a:schemeClr val="tx2">
-                    <a:lumMod val="75000"/>
-                    <a:lumOff val="25000"/>
-                  </a:schemeClr>
-                </a:solidFill>
-              </a:rPr>
-              <a:t>function</a:t>
-            </a:r>
-            <a:r>
-              <a:rPr lang="sv-SE" dirty="0">
-                <a:solidFill>
-                  <a:schemeClr val="tx2">
-                    <a:lumMod val="75000"/>
-                    <a:lumOff val="25000"/>
-                  </a:schemeClr>
-                </a:solidFill>
-              </a:rPr>
-              <a:t> </a:t>
-            </a:r>
-            <a:r>
-              <a:rPr lang="sv-SE" dirty="0"/>
-              <a:t>kommer först,</a:t>
+              <a:t>Börja med returtypen (t.ex. </a:t>
+            </a:r>
+            <a:r>
+              <a:rPr lang="sv-SE" dirty="0" err="1"/>
+              <a:t>int</a:t>
+            </a:r>
+            <a:r>
+              <a:rPr lang="sv-SE" dirty="0"/>
+              <a:t>, </a:t>
+            </a:r>
+            <a:r>
+              <a:rPr lang="sv-SE" dirty="0" err="1"/>
+              <a:t>void</a:t>
+            </a:r>
+            <a:r>
+              <a:rPr lang="sv-SE" dirty="0"/>
+              <a:t>),</a:t>
             </a:r>
           </a:p>
           <a:p>
@@ -10671,7 +10666,7 @@
             </a:pPr>
             <a:r>
               <a:rPr lang="sv-SE" dirty="0"/>
-              <a:t>slutligen funktionskoden mellan måsvingarna. </a:t>
+              <a:t>slutligen funktionskoden mellan måsvingarna {}. </a:t>
             </a:r>
           </a:p>
           <a:p>
@@ -10772,10 +10767,10 @@
       </p:sp>
       <p:pic>
         <p:nvPicPr>
-          <p:cNvPr id="6" name="Picture 5">
+          <p:cNvPr id="4" name="Picture 3">
             <a:extLst>
               <a:ext uri="{FF2B5EF4-FFF2-40B4-BE49-F238E27FC236}">
-                <a16:creationId xmlns:a16="http://schemas.microsoft.com/office/drawing/2014/main" id="{C71F5BBD-73D4-4569-9D04-499B749DA028}"/>
+                <a16:creationId xmlns:a16="http://schemas.microsoft.com/office/drawing/2014/main" id="{C7F32C3F-67E7-839D-7C4F-94A8DEDB8AE3}"/>
               </a:ext>
             </a:extLst>
           </p:cNvPr>
@@ -10792,8 +10787,8 @@
         </p:blipFill>
         <p:spPr>
           <a:xfrm>
-            <a:off x="6096000" y="2225616"/>
-            <a:ext cx="3524250" cy="676275"/>
+            <a:off x="6417565" y="2002652"/>
+            <a:ext cx="2491956" cy="899238"/>
           </a:xfrm>
           <a:prstGeom prst="rect">
             <a:avLst/>
@@ -10802,10 +10797,10 @@
       </p:pic>
       <p:pic>
         <p:nvPicPr>
-          <p:cNvPr id="7" name="Picture 6">
+          <p:cNvPr id="11" name="Picture 10">
             <a:extLst>
               <a:ext uri="{FF2B5EF4-FFF2-40B4-BE49-F238E27FC236}">
-                <a16:creationId xmlns:a16="http://schemas.microsoft.com/office/drawing/2014/main" id="{81CB7920-71A7-42C2-B22D-A6422279E082}"/>
+                <a16:creationId xmlns:a16="http://schemas.microsoft.com/office/drawing/2014/main" id="{AEA22936-FE74-3B41-0D3A-412F4DF1C8D9}"/>
               </a:ext>
             </a:extLst>
           </p:cNvPr>
@@ -10822,8 +10817,38 @@
         </p:blipFill>
         <p:spPr>
           <a:xfrm>
-            <a:off x="1742823" y="3956110"/>
-            <a:ext cx="6762750" cy="1371600"/>
+            <a:off x="1877114" y="4131637"/>
+            <a:ext cx="2918713" cy="815411"/>
+          </a:xfrm>
+          <a:prstGeom prst="rect">
+            <a:avLst/>
+          </a:prstGeom>
+        </p:spPr>
+      </p:pic>
+      <p:pic>
+        <p:nvPicPr>
+          <p:cNvPr id="13" name="Picture 12">
+            <a:extLst>
+              <a:ext uri="{FF2B5EF4-FFF2-40B4-BE49-F238E27FC236}">
+                <a16:creationId xmlns:a16="http://schemas.microsoft.com/office/drawing/2014/main" id="{64BD8ADC-A1A4-208D-FEC6-65BDA787E33D}"/>
+              </a:ext>
+            </a:extLst>
+          </p:cNvPr>
+          <p:cNvPicPr>
+            <a:picLocks noChangeAspect="1"/>
+          </p:cNvPicPr>
+          <p:nvPr/>
+        </p:nvPicPr>
+        <p:blipFill>
+          <a:blip r:embed="rId5"/>
+          <a:stretch>
+            <a:fillRect/>
+          </a:stretch>
+        </p:blipFill>
+        <p:spPr>
+          <a:xfrm>
+            <a:off x="6292595" y="4101155"/>
+            <a:ext cx="2179509" cy="845893"/>
           </a:xfrm>
           <a:prstGeom prst="rect">
             <a:avLst/>
@@ -11011,10 +11036,10 @@
       </p:sp>
       <p:pic>
         <p:nvPicPr>
-          <p:cNvPr id="3" name="Picture 2">
+          <p:cNvPr id="11" name="Picture 10">
             <a:extLst>
               <a:ext uri="{FF2B5EF4-FFF2-40B4-BE49-F238E27FC236}">
-                <a16:creationId xmlns:a16="http://schemas.microsoft.com/office/drawing/2014/main" id="{5AE2B23D-5CB4-47B8-8065-B0E4524C7552}"/>
+                <a16:creationId xmlns:a16="http://schemas.microsoft.com/office/drawing/2014/main" id="{3D13C46B-E1D3-7E26-3CEB-E10D0C6EFB49}"/>
               </a:ext>
             </a:extLst>
           </p:cNvPr>
@@ -11031,8 +11056,8 @@
         </p:blipFill>
         <p:spPr>
           <a:xfrm>
-            <a:off x="1989056" y="1443528"/>
-            <a:ext cx="5984596" cy="1819927"/>
+            <a:off x="1989056" y="1837994"/>
+            <a:ext cx="3558848" cy="1219306"/>
           </a:xfrm>
           <a:prstGeom prst="rect">
             <a:avLst/>
@@ -11041,10 +11066,10 @@
       </p:pic>
       <p:pic>
         <p:nvPicPr>
-          <p:cNvPr id="4" name="Picture 3">
+          <p:cNvPr id="13" name="Picture 12">
             <a:extLst>
               <a:ext uri="{FF2B5EF4-FFF2-40B4-BE49-F238E27FC236}">
-                <a16:creationId xmlns:a16="http://schemas.microsoft.com/office/drawing/2014/main" id="{1C8D876D-20C1-462D-968B-BDF50467443E}"/>
+                <a16:creationId xmlns:a16="http://schemas.microsoft.com/office/drawing/2014/main" id="{BEE3ACAB-44B0-27B9-5E98-AA89E73FD4D2}"/>
               </a:ext>
             </a:extLst>
           </p:cNvPr>
@@ -11061,8 +11086,8 @@
         </p:blipFill>
         <p:spPr>
           <a:xfrm>
-            <a:off x="1989056" y="4385575"/>
-            <a:ext cx="6572250" cy="1876425"/>
+            <a:off x="1919931" y="4556161"/>
+            <a:ext cx="4496190" cy="1272650"/>
           </a:xfrm>
           <a:prstGeom prst="rect">
             <a:avLst/>
@@ -11238,24 +11263,104 @@
             <a:endParaRPr lang="sv-SE" dirty="0"/>
           </a:p>
           <a:p>
+            <a:pPr marL="800100" lvl="1" indent="-342900">
+              <a:buFont typeface="+mj-lt"/>
+              <a:buAutoNum type="arabicPeriod"/>
+            </a:pPr>
+            <a:endParaRPr lang="sv-SE" dirty="0"/>
+          </a:p>
+          <a:p>
+            <a:pPr marL="800100" lvl="1" indent="-342900">
+              <a:buFont typeface="+mj-lt"/>
+              <a:buAutoNum type="arabicPeriod"/>
+            </a:pPr>
+            <a:endParaRPr lang="sv-SE" dirty="0"/>
+          </a:p>
+          <a:p>
+            <a:r>
+              <a:rPr lang="sv-SE" dirty="0"/>
+              <a:t>Förklaring</a:t>
+            </a:r>
+          </a:p>
+          <a:p>
             <a:pPr lvl="1"/>
             <a:r>
-              <a:rPr lang="sv-SE" dirty="0"/>
-              <a:t>När funktionen anropas i raderna (*) och (**) kopieras de givna värdena till lokala variabler from och text. Sedan använder funktionen dem.</a:t>
-            </a:r>
-          </a:p>
-          <a:p>
-            <a:r>
-              <a:rPr lang="sv-SE" dirty="0"/>
-              <a:t>Default värden</a:t>
+              <a:rPr lang="sv-SE" dirty="0">
+                <a:solidFill>
+                  <a:schemeClr val="tx2">
+                    <a:lumMod val="75000"/>
+                    <a:lumOff val="25000"/>
+                  </a:schemeClr>
+                </a:solidFill>
+              </a:rPr>
+              <a:t>from</a:t>
+            </a:r>
+            <a:r>
+              <a:rPr lang="sv-SE" dirty="0"/>
+              <a:t> och </a:t>
+            </a:r>
+            <a:r>
+              <a:rPr lang="sv-SE" dirty="0">
+                <a:solidFill>
+                  <a:schemeClr val="tx2">
+                    <a:lumMod val="75000"/>
+                    <a:lumOff val="25000"/>
+                  </a:schemeClr>
+                </a:solidFill>
+              </a:rPr>
+              <a:t>text</a:t>
+            </a:r>
+            <a:r>
+              <a:rPr lang="sv-SE" dirty="0"/>
+              <a:t> är parametrar</a:t>
             </a:r>
           </a:p>
           <a:p>
             <a:pPr lvl="1"/>
             <a:r>
               <a:rPr lang="sv-SE" dirty="0"/>
-              <a:t>Om en parameter inte tillhandahålls, blir dess värde odefinierat. Till exempel kan </a:t>
-            </a:r>
+              <a:t>text har ett standardvärde </a:t>
+            </a:r>
+            <a:r>
+              <a:rPr lang="sv-SE" dirty="0">
+                <a:solidFill>
+                  <a:schemeClr val="tx2">
+                    <a:lumMod val="75000"/>
+                    <a:lumOff val="25000"/>
+                  </a:schemeClr>
+                </a:solidFill>
+              </a:rPr>
+              <a:t>”no </a:t>
+            </a:r>
+            <a:r>
+              <a:rPr lang="sv-SE" dirty="0" err="1">
+                <a:solidFill>
+                  <a:schemeClr val="tx2">
+                    <a:lumMod val="75000"/>
+                    <a:lumOff val="25000"/>
+                  </a:schemeClr>
+                </a:solidFill>
+              </a:rPr>
+              <a:t>message</a:t>
+            </a:r>
+            <a:r>
+              <a:rPr lang="sv-SE" dirty="0">
+                <a:solidFill>
+                  <a:schemeClr val="tx2">
+                    <a:lumMod val="75000"/>
+                    <a:lumOff val="25000"/>
+                  </a:schemeClr>
+                </a:solidFill>
+              </a:rPr>
+              <a:t>” </a:t>
+            </a:r>
+            <a:r>
+              <a:rPr lang="sv-SE" dirty="0"/>
+              <a:t>som används om inget annat skickas in</a:t>
+            </a:r>
+          </a:p>
+          <a:p>
+            <a:pPr lvl="1"/>
             <a:r>
               <a:rPr lang="sv-SE" dirty="0" err="1">
                 <a:solidFill>
@@ -11276,34 +11381,11 @@
                   </a:schemeClr>
                 </a:solidFill>
               </a:rPr>
-              <a:t>(from, text)</a:t>
-            </a:r>
-            <a:r>
-              <a:rPr lang="sv-SE" dirty="0"/>
-              <a:t> anropas med en parameter:</a:t>
-            </a:r>
-          </a:p>
-          <a:p>
-            <a:pPr lvl="1"/>
-            <a:r>
-              <a:rPr lang="sv-SE" dirty="0"/>
-              <a:t>Det är inte ett fel ett sådant anrop skulle skriva ut ”Ann: </a:t>
-            </a:r>
-            <a:r>
-              <a:rPr lang="sv-SE" dirty="0" err="1"/>
-              <a:t>undefined</a:t>
-            </a:r>
-            <a:r>
-              <a:rPr lang="sv-SE" dirty="0"/>
-              <a:t>”. Det finns ingen text, så det antas att text === </a:t>
-            </a:r>
-            <a:r>
-              <a:rPr lang="sv-SE" dirty="0" err="1"/>
-              <a:t>undefined</a:t>
-            </a:r>
-            <a:r>
-              <a:rPr lang="sv-SE" dirty="0"/>
-              <a:t>. Om vi vill använda en ”standard”-text i det här fallet, kan vi ange den efter =</a:t>
+              <a:t>(”Bob”) </a:t>
+            </a:r>
+            <a:r>
+              <a:rPr lang="sv-SE" dirty="0"/>
+              <a:t>använder alltså bara första parametern.</a:t>
             </a:r>
           </a:p>
           <a:p>
@@ -11325,10 +11407,10 @@
       </p:sp>
       <p:pic>
         <p:nvPicPr>
-          <p:cNvPr id="6" name="Picture 5">
+          <p:cNvPr id="4" name="Picture 3">
             <a:extLst>
               <a:ext uri="{FF2B5EF4-FFF2-40B4-BE49-F238E27FC236}">
-                <a16:creationId xmlns:a16="http://schemas.microsoft.com/office/drawing/2014/main" id="{5A4BD0C9-1764-481E-945A-F2817B4C0B5B}"/>
+                <a16:creationId xmlns:a16="http://schemas.microsoft.com/office/drawing/2014/main" id="{C08114FD-6BEA-BD6E-BC53-E4ADB251BA0C}"/>
               </a:ext>
             </a:extLst>
           </p:cNvPr>
@@ -11345,68 +11427,8 @@
         </p:blipFill>
         <p:spPr>
           <a:xfrm>
-            <a:off x="1959548" y="1800323"/>
-            <a:ext cx="6029325" cy="1409700"/>
-          </a:xfrm>
-          <a:prstGeom prst="rect">
-            <a:avLst/>
-          </a:prstGeom>
-        </p:spPr>
-      </p:pic>
-      <p:pic>
-        <p:nvPicPr>
-          <p:cNvPr id="7" name="Picture 6">
-            <a:extLst>
-              <a:ext uri="{FF2B5EF4-FFF2-40B4-BE49-F238E27FC236}">
-                <a16:creationId xmlns:a16="http://schemas.microsoft.com/office/drawing/2014/main" id="{41A90C9B-33CC-48DF-9F37-70D976B82526}"/>
-              </a:ext>
-            </a:extLst>
-          </p:cNvPr>
-          <p:cNvPicPr>
-            <a:picLocks noChangeAspect="1"/>
-          </p:cNvPicPr>
-          <p:nvPr/>
-        </p:nvPicPr>
-        <p:blipFill>
-          <a:blip r:embed="rId4"/>
-          <a:stretch>
-            <a:fillRect/>
-          </a:stretch>
-        </p:blipFill>
-        <p:spPr>
-          <a:xfrm>
-            <a:off x="5241077" y="4803406"/>
-            <a:ext cx="5857875" cy="400050"/>
-          </a:xfrm>
-          <a:prstGeom prst="rect">
-            <a:avLst/>
-          </a:prstGeom>
-        </p:spPr>
-      </p:pic>
-      <p:pic>
-        <p:nvPicPr>
-          <p:cNvPr id="8" name="Picture 7">
-            <a:extLst>
-              <a:ext uri="{FF2B5EF4-FFF2-40B4-BE49-F238E27FC236}">
-                <a16:creationId xmlns:a16="http://schemas.microsoft.com/office/drawing/2014/main" id="{ADF33B89-6035-4328-ACFC-AA1CEE0F955E}"/>
-              </a:ext>
-            </a:extLst>
-          </p:cNvPr>
-          <p:cNvPicPr>
-            <a:picLocks noChangeAspect="1"/>
-          </p:cNvPicPr>
-          <p:nvPr/>
-        </p:nvPicPr>
-        <p:blipFill>
-          <a:blip r:embed="rId5"/>
-          <a:stretch>
-            <a:fillRect/>
-          </a:stretch>
-        </p:blipFill>
-        <p:spPr>
-          <a:xfrm>
-            <a:off x="3130385" y="5779265"/>
-            <a:ext cx="6224833" cy="1078735"/>
+            <a:off x="4920342" y="1618155"/>
+            <a:ext cx="5040086" cy="2778698"/>
           </a:xfrm>
           <a:prstGeom prst="rect">
             <a:avLst/>
@@ -11472,20 +11494,29 @@
           <a:lstStyle/>
           <a:p>
             <a:r>
+              <a:rPr lang="en-US" sz="4000" dirty="0" err="1">
+                <a:latin typeface="Bodoni MT" panose="02070603080606020203" pitchFamily="18" charset="0"/>
+              </a:rPr>
+              <a:t>Klaser</a:t>
+            </a:r>
+            <a:r>
               <a:rPr lang="en-US" sz="4000" dirty="0">
                 <a:latin typeface="Bodoni MT" panose="02070603080606020203" pitchFamily="18" charset="0"/>
               </a:rPr>
-              <a:t>Arrow functions (</a:t>
-            </a:r>
-            <a:r>
-              <a:rPr lang="en-US" sz="4000">
+              <a:t> </a:t>
+            </a:r>
+            <a:r>
+              <a:rPr lang="en-US" sz="4000" dirty="0" err="1">
                 <a:latin typeface="Bodoni MT" panose="02070603080606020203" pitchFamily="18" charset="0"/>
               </a:rPr>
-              <a:t>pil-funktioner)</a:t>
-            </a:r>
-            <a:endParaRPr lang="en-US" sz="4000" dirty="0">
-              <a:latin typeface="Bodoni MT" panose="02070603080606020203" pitchFamily="18" charset="0"/>
-            </a:endParaRPr>
+              <a:t>och</a:t>
+            </a:r>
+            <a:r>
+              <a:rPr lang="en-US" sz="4000" dirty="0">
+                <a:latin typeface="Bodoni MT" panose="02070603080606020203" pitchFamily="18" charset="0"/>
+              </a:rPr>
+              <a:t> Object</a:t>
+            </a:r>
           </a:p>
         </p:txBody>
       </p:sp>
@@ -11508,7 +11539,7 @@
         <p:spPr>
           <a:xfrm>
             <a:off x="1203434" y="679270"/>
-            <a:ext cx="10178322" cy="5975366"/>
+            <a:ext cx="10178322" cy="3174274"/>
           </a:xfrm>
         </p:spPr>
         <p:txBody>
@@ -11519,378 +11550,50 @@
           <a:p>
             <a:r>
               <a:rPr lang="sv-SE" dirty="0"/>
-              <a:t>’</a:t>
-            </a:r>
-            <a:r>
-              <a:rPr lang="sv-SE" dirty="0">
-                <a:solidFill>
-                  <a:schemeClr val="tx2">
-                    <a:lumMod val="75000"/>
-                    <a:lumOff val="25000"/>
-                  </a:schemeClr>
-                </a:solidFill>
-              </a:rPr>
-              <a:t>Arrow </a:t>
-            </a:r>
-            <a:r>
-              <a:rPr lang="sv-SE" dirty="0" err="1">
-                <a:solidFill>
-                  <a:schemeClr val="tx2">
-                    <a:lumMod val="75000"/>
-                    <a:lumOff val="25000"/>
-                  </a:schemeClr>
-                </a:solidFill>
-              </a:rPr>
-              <a:t>functions</a:t>
-            </a:r>
-            <a:r>
-              <a:rPr lang="sv-SE" dirty="0"/>
-              <a:t>’ är ett mer kortfattad sätt att skapa funktioner:</a:t>
-            </a:r>
-          </a:p>
-          <a:p>
-            <a:endParaRPr lang="sv-SE" dirty="0"/>
-          </a:p>
-          <a:p>
-            <a:r>
-              <a:rPr lang="sv-SE" dirty="0"/>
-              <a:t>Detta skapar en funktion </a:t>
-            </a:r>
-            <a:r>
-              <a:rPr lang="sv-SE" dirty="0" err="1">
-                <a:solidFill>
-                  <a:schemeClr val="tx2">
-                    <a:lumMod val="75000"/>
-                    <a:lumOff val="25000"/>
-                  </a:schemeClr>
-                </a:solidFill>
-              </a:rPr>
-              <a:t>func</a:t>
-            </a:r>
-            <a:r>
-              <a:rPr lang="sv-SE" dirty="0"/>
-              <a:t> som accepterar argument </a:t>
-            </a:r>
-            <a:r>
-              <a:rPr lang="sv-SE" dirty="0">
-                <a:solidFill>
-                  <a:schemeClr val="tx2">
-                    <a:lumMod val="75000"/>
-                    <a:lumOff val="25000"/>
-                  </a:schemeClr>
-                </a:solidFill>
-              </a:rPr>
-              <a:t>arg1, arg2, …</a:t>
-            </a:r>
-            <a:r>
-              <a:rPr lang="sv-SE" dirty="0" err="1">
-                <a:solidFill>
-                  <a:schemeClr val="tx2">
-                    <a:lumMod val="75000"/>
-                    <a:lumOff val="25000"/>
-                  </a:schemeClr>
-                </a:solidFill>
-              </a:rPr>
-              <a:t>argN</a:t>
-            </a:r>
-            <a:r>
-              <a:rPr lang="sv-SE" dirty="0"/>
-              <a:t>, utvärderar sedan uttrycket på höger sida och returnerar dess resultat. Det är förkortning på:</a:t>
-            </a:r>
-          </a:p>
-          <a:p>
-            <a:endParaRPr lang="sv-SE" dirty="0"/>
-          </a:p>
-          <a:p>
-            <a:endParaRPr lang="sv-SE" dirty="0"/>
-          </a:p>
-          <a:p>
-            <a:r>
-              <a:rPr lang="sv-SE" dirty="0"/>
-              <a:t>Ett mer konkret exempel:</a:t>
-            </a:r>
-          </a:p>
-          <a:p>
-            <a:r>
-              <a:rPr lang="sv-SE" dirty="0"/>
-              <a:t>Som du kan se </a:t>
-            </a:r>
-            <a:r>
-              <a:rPr lang="sv-SE" dirty="0">
-                <a:solidFill>
-                  <a:schemeClr val="tx2">
-                    <a:lumMod val="75000"/>
-                    <a:lumOff val="25000"/>
-                  </a:schemeClr>
-                </a:solidFill>
-              </a:rPr>
-              <a:t>(a, b) =&gt; a + b</a:t>
-            </a:r>
-            <a:r>
-              <a:rPr lang="sv-SE" dirty="0"/>
-              <a:t> betyder en funktion som accepterar två argument med namnet</a:t>
-            </a:r>
-            <a:br>
-              <a:rPr lang="sv-SE" dirty="0"/>
-            </a:br>
-            <a:r>
-              <a:rPr lang="sv-SE" dirty="0">
-                <a:solidFill>
-                  <a:schemeClr val="tx2">
-                    <a:lumMod val="75000"/>
-                    <a:lumOff val="25000"/>
-                  </a:schemeClr>
-                </a:solidFill>
-              </a:rPr>
-              <a:t>a</a:t>
-            </a:r>
-            <a:r>
-              <a:rPr lang="sv-SE" dirty="0"/>
-              <a:t> och </a:t>
-            </a:r>
-            <a:r>
-              <a:rPr lang="sv-SE" dirty="0">
-                <a:solidFill>
-                  <a:schemeClr val="tx2">
-                    <a:lumMod val="75000"/>
-                    <a:lumOff val="25000"/>
-                  </a:schemeClr>
-                </a:solidFill>
-              </a:rPr>
-              <a:t>b</a:t>
-            </a:r>
-            <a:r>
-              <a:rPr lang="sv-SE" dirty="0"/>
-              <a:t>.  Vid körningen utvärderar det uttrycket </a:t>
-            </a:r>
-            <a:r>
-              <a:rPr lang="sv-SE" dirty="0">
-                <a:solidFill>
-                  <a:schemeClr val="tx2">
-                    <a:lumMod val="75000"/>
-                    <a:lumOff val="25000"/>
-                  </a:schemeClr>
-                </a:solidFill>
-              </a:rPr>
-              <a:t>a + b </a:t>
-            </a:r>
-            <a:r>
-              <a:rPr lang="sv-SE" dirty="0"/>
-              <a:t>och returnerar resultatet. </a:t>
-            </a:r>
-          </a:p>
-          <a:p>
-            <a:r>
-              <a:rPr lang="sv-SE" dirty="0" err="1"/>
-              <a:t>Multiline</a:t>
-            </a:r>
-            <a:r>
-              <a:rPr lang="sv-SE" dirty="0"/>
-              <a:t> Arrow-</a:t>
-            </a:r>
-            <a:r>
-              <a:rPr lang="sv-SE" dirty="0" err="1"/>
-              <a:t>function</a:t>
-            </a:r>
-            <a:endParaRPr lang="sv-SE" dirty="0"/>
+              <a:t>Vad är en klass</a:t>
+            </a:r>
           </a:p>
           <a:p>
             <a:pPr lvl="1"/>
             <a:r>
               <a:rPr lang="sv-SE" dirty="0"/>
-              <a:t>Ibland behöver vi använda flera uttryck och det gör vi genom att kapsla uttrycken med måsvingar </a:t>
-            </a:r>
-            <a:r>
-              <a:rPr lang="sv-SE" dirty="0">
-                <a:solidFill>
-                  <a:schemeClr val="tx2">
-                    <a:lumMod val="75000"/>
-                    <a:lumOff val="25000"/>
-                  </a:schemeClr>
-                </a:solidFill>
-              </a:rPr>
-              <a:t>{ }</a:t>
-            </a:r>
-            <a:r>
-              <a:rPr lang="sv-SE" dirty="0"/>
-              <a:t>, skulle vi vilja returnera data använder vi sedan ett normal </a:t>
-            </a:r>
-            <a:r>
-              <a:rPr lang="sv-SE" dirty="0" err="1">
-                <a:solidFill>
-                  <a:schemeClr val="tx2">
-                    <a:lumMod val="75000"/>
-                    <a:lumOff val="25000"/>
-                  </a:schemeClr>
-                </a:solidFill>
-              </a:rPr>
-              <a:t>return</a:t>
-            </a:r>
-            <a:r>
-              <a:rPr lang="sv-SE" dirty="0"/>
-              <a:t> värde.</a:t>
+              <a:t>En klass är en mall (eller ritning) som beskriver hur ett objekt ska se ut och fungera.</a:t>
             </a:r>
           </a:p>
           <a:p>
             <a:pPr lvl="1"/>
-            <a:endParaRPr lang="sv-SE" dirty="0"/>
+            <a:r>
+              <a:rPr lang="sv-SE" dirty="0"/>
+              <a:t>Klassen innehåller</a:t>
+            </a:r>
+          </a:p>
+          <a:p>
+            <a:pPr lvl="2"/>
+            <a:r>
+              <a:rPr lang="sv-SE" dirty="0"/>
+              <a:t>Egenskaper (data/variabler) – t.ex. namn, ålder</a:t>
+            </a:r>
+          </a:p>
+          <a:p>
+            <a:pPr lvl="2"/>
+            <a:r>
+              <a:rPr lang="sv-SE" dirty="0"/>
+              <a:t>Metoder (funktioner) – t.ex. visa uppgifter, ändra namn</a:t>
+            </a:r>
+          </a:p>
+          <a:p>
+            <a:pPr lvl="1"/>
+            <a:r>
+              <a:rPr lang="sv-SE" dirty="0"/>
+              <a:t>Med en klass kan vi skapa flera objekt som fungerar på samma sätt, men har olika data.</a:t>
+            </a:r>
           </a:p>
         </p:txBody>
       </p:sp>
-      <p:pic>
-        <p:nvPicPr>
-          <p:cNvPr id="3" name="Picture 2">
-            <a:extLst>
-              <a:ext uri="{FF2B5EF4-FFF2-40B4-BE49-F238E27FC236}">
-                <a16:creationId xmlns:a16="http://schemas.microsoft.com/office/drawing/2014/main" id="{32FC0F5C-E19F-400F-9C46-33A50AADD73A}"/>
-              </a:ext>
-            </a:extLst>
-          </p:cNvPr>
-          <p:cNvPicPr>
-            <a:picLocks noChangeAspect="1"/>
-          </p:cNvPicPr>
-          <p:nvPr/>
-        </p:nvPicPr>
-        <p:blipFill>
-          <a:blip r:embed="rId3"/>
-          <a:stretch>
-            <a:fillRect/>
-          </a:stretch>
-        </p:blipFill>
-        <p:spPr>
-          <a:xfrm>
-            <a:off x="1527008" y="1065743"/>
-            <a:ext cx="4229100" cy="419100"/>
-          </a:xfrm>
-          <a:prstGeom prst="rect">
-            <a:avLst/>
-          </a:prstGeom>
-        </p:spPr>
-      </p:pic>
-      <p:pic>
-        <p:nvPicPr>
-          <p:cNvPr id="4" name="Picture 3">
-            <a:extLst>
-              <a:ext uri="{FF2B5EF4-FFF2-40B4-BE49-F238E27FC236}">
-                <a16:creationId xmlns:a16="http://schemas.microsoft.com/office/drawing/2014/main" id="{F82196D9-948A-4477-B8AA-6EB763D6D89F}"/>
-              </a:ext>
-            </a:extLst>
-          </p:cNvPr>
-          <p:cNvPicPr>
-            <a:picLocks noChangeAspect="1"/>
-          </p:cNvPicPr>
-          <p:nvPr/>
-        </p:nvPicPr>
-        <p:blipFill>
-          <a:blip r:embed="rId4"/>
-          <a:stretch>
-            <a:fillRect/>
-          </a:stretch>
-        </p:blipFill>
-        <p:spPr>
-          <a:xfrm>
-            <a:off x="1527008" y="2329113"/>
-            <a:ext cx="4010025" cy="723900"/>
-          </a:xfrm>
-          <a:prstGeom prst="rect">
-            <a:avLst/>
-          </a:prstGeom>
-        </p:spPr>
-      </p:pic>
-      <p:pic>
-        <p:nvPicPr>
-          <p:cNvPr id="9" name="Picture 8">
-            <a:extLst>
-              <a:ext uri="{FF2B5EF4-FFF2-40B4-BE49-F238E27FC236}">
-                <a16:creationId xmlns:a16="http://schemas.microsoft.com/office/drawing/2014/main" id="{0EAD62EC-FFCE-43D8-8D13-618EB4439BA1}"/>
-              </a:ext>
-            </a:extLst>
-          </p:cNvPr>
-          <p:cNvPicPr>
-            <a:picLocks noChangeAspect="1"/>
-          </p:cNvPicPr>
-          <p:nvPr/>
-        </p:nvPicPr>
-        <p:blipFill>
-          <a:blip r:embed="rId5"/>
-          <a:stretch>
-            <a:fillRect/>
-          </a:stretch>
-        </p:blipFill>
-        <p:spPr>
-          <a:xfrm>
-            <a:off x="4775258" y="3191636"/>
-            <a:ext cx="5267325" cy="342900"/>
-          </a:xfrm>
-          <a:prstGeom prst="rect">
-            <a:avLst/>
-          </a:prstGeom>
-        </p:spPr>
-      </p:pic>
-      <p:pic>
-        <p:nvPicPr>
-          <p:cNvPr id="10" name="Picture 9">
-            <a:extLst>
-              <a:ext uri="{FF2B5EF4-FFF2-40B4-BE49-F238E27FC236}">
-                <a16:creationId xmlns:a16="http://schemas.microsoft.com/office/drawing/2014/main" id="{CFBA8C4F-11BE-47D9-A0B7-4CF74EE2B96D}"/>
-              </a:ext>
-            </a:extLst>
-          </p:cNvPr>
-          <p:cNvPicPr>
-            <a:picLocks noChangeAspect="1"/>
-          </p:cNvPicPr>
-          <p:nvPr/>
-        </p:nvPicPr>
-        <p:blipFill>
-          <a:blip r:embed="rId6"/>
-          <a:stretch>
-            <a:fillRect/>
-          </a:stretch>
-        </p:blipFill>
-        <p:spPr>
-          <a:xfrm>
-            <a:off x="7923521" y="3172586"/>
-            <a:ext cx="5905500" cy="381000"/>
-          </a:xfrm>
-          <a:prstGeom prst="rect">
-            <a:avLst/>
-          </a:prstGeom>
-        </p:spPr>
-      </p:pic>
-      <p:pic>
-        <p:nvPicPr>
-          <p:cNvPr id="11" name="Picture 10">
-            <a:extLst>
-              <a:ext uri="{FF2B5EF4-FFF2-40B4-BE49-F238E27FC236}">
-                <a16:creationId xmlns:a16="http://schemas.microsoft.com/office/drawing/2014/main" id="{EDA54C30-E596-4F32-A5A3-FB6526C88BF5}"/>
-              </a:ext>
-            </a:extLst>
-          </p:cNvPr>
-          <p:cNvPicPr>
-            <a:picLocks noChangeAspect="1"/>
-          </p:cNvPicPr>
-          <p:nvPr/>
-        </p:nvPicPr>
-        <p:blipFill>
-          <a:blip r:embed="rId7"/>
-          <a:stretch>
-            <a:fillRect/>
-          </a:stretch>
-        </p:blipFill>
-        <p:spPr>
-          <a:xfrm>
-            <a:off x="1527008" y="5416906"/>
-            <a:ext cx="6877050" cy="1333500"/>
-          </a:xfrm>
-          <a:prstGeom prst="rect">
-            <a:avLst/>
-          </a:prstGeom>
-        </p:spPr>
-      </p:pic>
     </p:spTree>
     <p:extLst>
       <p:ext uri="{BB962C8B-B14F-4D97-AF65-F5344CB8AC3E}">
-        <p14:creationId xmlns:p14="http://schemas.microsoft.com/office/powerpoint/2010/main" val="3093293204"/>
+        <p14:creationId xmlns:p14="http://schemas.microsoft.com/office/powerpoint/2010/main" val="866942312"/>
       </p:ext>
     </p:extLst>
   </p:cSld>
@@ -11905,7 +11608,13 @@
   <p:cSld>
     <p:spTree>
       <p:nvGrpSpPr>
-        <p:cNvPr id="1" name=""/>
+        <p:cNvPr id="1" name="">
+          <a:extLst>
+            <a:ext uri="{FF2B5EF4-FFF2-40B4-BE49-F238E27FC236}">
+              <a16:creationId xmlns:a16="http://schemas.microsoft.com/office/drawing/2014/main" id="{F250DC68-AF05-4F5E-5840-0D54964A2DDA}"/>
+            </a:ext>
+          </a:extLst>
+        </p:cNvPr>
         <p:cNvGrpSpPr/>
         <p:nvPr/>
       </p:nvGrpSpPr>
@@ -11922,7 +11631,7 @@
           <p:cNvPr id="2" name="Title 1">
             <a:extLst>
               <a:ext uri="{FF2B5EF4-FFF2-40B4-BE49-F238E27FC236}">
-                <a16:creationId xmlns:a16="http://schemas.microsoft.com/office/drawing/2014/main" id="{8EDAE078-3CB3-4D1F-8E4E-75C6D5DA8D1A}"/>
+                <a16:creationId xmlns:a16="http://schemas.microsoft.com/office/drawing/2014/main" id="{85DE242A-F6FF-8A93-8B6E-B8D51F8A2B96}"/>
               </a:ext>
             </a:extLst>
           </p:cNvPr>
@@ -11946,196 +11655,38 @@
           <a:lstStyle/>
           <a:p>
             <a:r>
+              <a:rPr lang="en-US" sz="4000" dirty="0" err="1">
+                <a:latin typeface="Bodoni MT" panose="02070603080606020203" pitchFamily="18" charset="0"/>
+              </a:rPr>
+              <a:t>Klaser</a:t>
+            </a:r>
+            <a:r>
               <a:rPr lang="en-US" sz="4000" dirty="0">
                 <a:latin typeface="Bodoni MT" panose="02070603080606020203" pitchFamily="18" charset="0"/>
               </a:rPr>
-              <a:t>Object</a:t>
-            </a:r>
-          </a:p>
-        </p:txBody>
-      </p:sp>
-      <p:sp>
-        <p:nvSpPr>
-          <p:cNvPr id="5" name="Content Placeholder 4">
-            <a:extLst>
-              <a:ext uri="{FF2B5EF4-FFF2-40B4-BE49-F238E27FC236}">
-                <a16:creationId xmlns:a16="http://schemas.microsoft.com/office/drawing/2014/main" id="{BFC6430F-1FDE-4D8C-8C11-DD7124791905}"/>
-              </a:ext>
-            </a:extLst>
-          </p:cNvPr>
-          <p:cNvSpPr>
-            <a:spLocks noGrp="1"/>
-          </p:cNvSpPr>
-          <p:nvPr>
-            <p:ph idx="1"/>
-          </p:nvPr>
-        </p:nvSpPr>
-        <p:spPr>
-          <a:xfrm>
-            <a:off x="1203434" y="679269"/>
-            <a:ext cx="10178322" cy="6507593"/>
-          </a:xfrm>
-        </p:spPr>
-        <p:txBody>
-          <a:bodyPr>
-            <a:normAutofit/>
-          </a:bodyPr>
-          <a:lstStyle/>
-          <a:p>
-            <a:r>
-              <a:rPr lang="sv-SE" dirty="0" err="1"/>
-              <a:t>Object</a:t>
-            </a:r>
-            <a:endParaRPr lang="sv-SE" dirty="0"/>
-          </a:p>
-          <a:p>
-            <a:pPr lvl="1"/>
-            <a:r>
-              <a:rPr lang="sv-SE" dirty="0"/>
-              <a:t>Som vi vet från delen Datatyper finns det 6 viktiga datatyper. 5 av dem kallas ”primitiva”, eftersom deras värden endast innehåller en enda sak (vare sig det är en sträng eller nummer).</a:t>
-            </a:r>
-          </a:p>
-          <a:p>
-            <a:pPr lvl="1"/>
-            <a:r>
-              <a:rPr lang="sv-SE" dirty="0"/>
-              <a:t>Däremot används objekt att lagra flera datatyper i en enhet. I </a:t>
-            </a:r>
-            <a:r>
-              <a:rPr lang="sv-SE" dirty="0" err="1"/>
-              <a:t>Javascript</a:t>
-            </a:r>
-            <a:r>
-              <a:rPr lang="sv-SE" dirty="0"/>
-              <a:t> är objekt väldigt viktiga och vanliga.</a:t>
-            </a:r>
-          </a:p>
-          <a:p>
-            <a:pPr lvl="1"/>
-            <a:r>
-              <a:rPr lang="sv-SE" dirty="0"/>
-              <a:t>Ett objekt skapas med måsvingar </a:t>
-            </a:r>
-            <a:r>
-              <a:rPr lang="sv-SE" dirty="0">
-                <a:solidFill>
-                  <a:schemeClr val="tx2">
-                    <a:lumMod val="75000"/>
-                    <a:lumOff val="25000"/>
-                  </a:schemeClr>
-                </a:solidFill>
+              <a:t> </a:t>
+            </a:r>
+            <a:r>
+              <a:rPr lang="en-US" sz="4000" dirty="0" err="1">
+                <a:latin typeface="Bodoni MT" panose="02070603080606020203" pitchFamily="18" charset="0"/>
               </a:rPr>
-              <a:t>{ … } </a:t>
-            </a:r>
-            <a:r>
-              <a:rPr lang="sv-SE" dirty="0"/>
-              <a:t>med en valfri lista över egenskaper.  En egenskap är ett ”</a:t>
-            </a:r>
-            <a:r>
-              <a:rPr lang="sv-SE" dirty="0" err="1"/>
-              <a:t>key</a:t>
-            </a:r>
-            <a:r>
-              <a:rPr lang="sv-SE" dirty="0"/>
-              <a:t>:  </a:t>
-            </a:r>
-            <a:r>
-              <a:rPr lang="sv-SE" dirty="0" err="1"/>
-              <a:t>value</a:t>
-            </a:r>
-            <a:r>
-              <a:rPr lang="sv-SE" dirty="0"/>
-              <a:t>”-par, där nyckeln är en sträng och värden kan vara vad som helst.</a:t>
-            </a:r>
-          </a:p>
-          <a:p>
-            <a:pPr lvl="1"/>
-            <a:r>
-              <a:rPr lang="sv-SE" dirty="0"/>
-              <a:t>Ett tomt objekt kan skapas med hjälp av en av två syntaxer: </a:t>
-            </a:r>
-          </a:p>
-          <a:p>
-            <a:pPr lvl="1"/>
-            <a:endParaRPr lang="sv-SE" dirty="0"/>
-          </a:p>
-          <a:p>
-            <a:pPr lvl="1"/>
-            <a:endParaRPr lang="sv-SE" dirty="0"/>
-          </a:p>
-          <a:p>
-            <a:pPr lvl="1"/>
-            <a:r>
-              <a:rPr lang="sv-SE" dirty="0"/>
-              <a:t>Vi kan </a:t>
-            </a:r>
-            <a:r>
-              <a:rPr lang="sv-SE" dirty="0" err="1"/>
-              <a:t>omdelbart</a:t>
-            </a:r>
-            <a:r>
-              <a:rPr lang="sv-SE" dirty="0"/>
-              <a:t> lägga till några egenskaper i { … } som ”</a:t>
-            </a:r>
-            <a:r>
-              <a:rPr lang="sv-SE" dirty="0" err="1"/>
-              <a:t>key</a:t>
-            </a:r>
-            <a:r>
-              <a:rPr lang="sv-SE" dirty="0"/>
-              <a:t>: </a:t>
-            </a:r>
-            <a:r>
-              <a:rPr lang="sv-SE" dirty="0" err="1"/>
-              <a:t>value</a:t>
-            </a:r>
-            <a:r>
-              <a:rPr lang="sv-SE" dirty="0"/>
-              <a:t>”-par</a:t>
-            </a:r>
-          </a:p>
-          <a:p>
-            <a:pPr lvl="1"/>
-            <a:endParaRPr lang="sv-SE" dirty="0"/>
-          </a:p>
-          <a:p>
-            <a:pPr lvl="1"/>
-            <a:endParaRPr lang="sv-SE" dirty="0"/>
-          </a:p>
-          <a:p>
-            <a:pPr lvl="1"/>
-            <a:endParaRPr lang="sv-SE" dirty="0"/>
-          </a:p>
-          <a:p>
-            <a:pPr lvl="1"/>
-            <a:r>
-              <a:rPr lang="sv-SE" dirty="0"/>
-              <a:t>Den första egenskapen har namnet ”</a:t>
-            </a:r>
-            <a:r>
-              <a:rPr lang="sv-SE" dirty="0" err="1"/>
-              <a:t>name</a:t>
-            </a:r>
-            <a:r>
-              <a:rPr lang="sv-SE" dirty="0"/>
-              <a:t>” och värdet ”John”.</a:t>
-            </a:r>
-          </a:p>
-          <a:p>
-            <a:pPr lvl="1"/>
-            <a:r>
-              <a:rPr lang="sv-SE" dirty="0"/>
-              <a:t>Den andra har namnet ”age” och värdet 30.</a:t>
+              <a:t>och</a:t>
+            </a:r>
+            <a:r>
+              <a:rPr lang="en-US" sz="4000" dirty="0">
+                <a:latin typeface="Bodoni MT" panose="02070603080606020203" pitchFamily="18" charset="0"/>
+              </a:rPr>
+              <a:t> Object</a:t>
             </a:r>
           </a:p>
         </p:txBody>
       </p:sp>
       <p:pic>
         <p:nvPicPr>
-          <p:cNvPr id="6" name="Picture 5">
+          <p:cNvPr id="7" name="Picture 6">
             <a:extLst>
               <a:ext uri="{FF2B5EF4-FFF2-40B4-BE49-F238E27FC236}">
-                <a16:creationId xmlns:a16="http://schemas.microsoft.com/office/drawing/2014/main" id="{1D611ED8-8CEF-4B61-9C1E-6794A8230D74}"/>
+                <a16:creationId xmlns:a16="http://schemas.microsoft.com/office/drawing/2014/main" id="{96895D26-D50A-D78E-6ADB-371EF5A646DE}"/>
               </a:ext>
             </a:extLst>
           </p:cNvPr>
@@ -12152,8 +11703,8 @@
         </p:blipFill>
         <p:spPr>
           <a:xfrm>
-            <a:off x="1995507" y="3666953"/>
-            <a:ext cx="6496050" cy="561975"/>
+            <a:off x="1337733" y="615166"/>
+            <a:ext cx="3021996" cy="6159587"/>
           </a:xfrm>
           <a:prstGeom prst="rect">
             <a:avLst/>
@@ -12162,10 +11713,10 @@
       </p:pic>
       <p:pic>
         <p:nvPicPr>
-          <p:cNvPr id="7" name="Picture 6">
+          <p:cNvPr id="9" name="Picture 8">
             <a:extLst>
               <a:ext uri="{FF2B5EF4-FFF2-40B4-BE49-F238E27FC236}">
-                <a16:creationId xmlns:a16="http://schemas.microsoft.com/office/drawing/2014/main" id="{9C03090B-E909-4CEA-A59C-3EC31D47117C}"/>
+                <a16:creationId xmlns:a16="http://schemas.microsoft.com/office/drawing/2014/main" id="{4C3D449D-105E-8B6F-C27A-6ABDA1B57B5D}"/>
               </a:ext>
             </a:extLst>
           </p:cNvPr>
@@ -12182,18 +11733,115 @@
         </p:blipFill>
         <p:spPr>
           <a:xfrm>
-            <a:off x="1995507" y="4756771"/>
-            <a:ext cx="6534150" cy="1019175"/>
+            <a:off x="7285622" y="217784"/>
+            <a:ext cx="3950782" cy="3039737"/>
           </a:xfrm>
           <a:prstGeom prst="rect">
             <a:avLst/>
           </a:prstGeom>
         </p:spPr>
       </p:pic>
+      <p:sp>
+        <p:nvSpPr>
+          <p:cNvPr id="10" name="Content Placeholder 4">
+            <a:extLst>
+              <a:ext uri="{FF2B5EF4-FFF2-40B4-BE49-F238E27FC236}">
+                <a16:creationId xmlns:a16="http://schemas.microsoft.com/office/drawing/2014/main" id="{C2DF8DBD-C6B9-D90B-2B7F-40C1D096B6A1}"/>
+              </a:ext>
+            </a:extLst>
+          </p:cNvPr>
+          <p:cNvSpPr>
+            <a:spLocks noGrp="1"/>
+          </p:cNvSpPr>
+          <p:nvPr>
+            <p:ph idx="1"/>
+          </p:nvPr>
+        </p:nvSpPr>
+        <p:spPr>
+          <a:xfrm>
+            <a:off x="4531010" y="3257520"/>
+            <a:ext cx="6705394" cy="3600479"/>
+          </a:xfrm>
+        </p:spPr>
+        <p:txBody>
+          <a:bodyPr>
+            <a:normAutofit/>
+          </a:bodyPr>
+          <a:lstStyle/>
+          <a:p>
+            <a:r>
+              <a:rPr lang="sv-SE" dirty="0"/>
+              <a:t>Begrepp</a:t>
+            </a:r>
+          </a:p>
+          <a:p>
+            <a:pPr lvl="1"/>
+            <a:r>
+              <a:rPr lang="sv-SE" dirty="0"/>
+              <a:t>Klass</a:t>
+            </a:r>
+          </a:p>
+          <a:p>
+            <a:pPr lvl="2"/>
+            <a:r>
+              <a:rPr lang="sv-SE" dirty="0"/>
+              <a:t>En mall som beskriver objektets struktur och beteende</a:t>
+            </a:r>
+          </a:p>
+          <a:p>
+            <a:pPr lvl="1"/>
+            <a:r>
+              <a:rPr lang="sv-SE" dirty="0"/>
+              <a:t>Objekt</a:t>
+            </a:r>
+          </a:p>
+          <a:p>
+            <a:pPr lvl="2"/>
+            <a:r>
+              <a:rPr lang="sv-SE" dirty="0"/>
+              <a:t>En instans av en klass (en faktiskt person t.ex.)</a:t>
+            </a:r>
+          </a:p>
+          <a:p>
+            <a:pPr lvl="1"/>
+            <a:r>
+              <a:rPr lang="sv-SE" dirty="0"/>
+              <a:t>Egenskaper</a:t>
+            </a:r>
+          </a:p>
+          <a:p>
+            <a:pPr lvl="2"/>
+            <a:r>
+              <a:rPr lang="sv-SE" dirty="0"/>
+              <a:t>Variabler som lagrar objektets data</a:t>
+            </a:r>
+          </a:p>
+          <a:p>
+            <a:pPr lvl="1"/>
+            <a:r>
+              <a:rPr lang="sv-SE" dirty="0"/>
+              <a:t>Metoder</a:t>
+            </a:r>
+          </a:p>
+          <a:p>
+            <a:pPr lvl="2"/>
+            <a:r>
+              <a:rPr lang="sv-SE" dirty="0"/>
+              <a:t>Funktioner som utför handlingar på objektet</a:t>
+            </a:r>
+          </a:p>
+          <a:p>
+            <a:pPr marL="0" indent="0">
+              <a:buNone/>
+            </a:pPr>
+            <a:endParaRPr lang="sv-SE" dirty="0"/>
+          </a:p>
+        </p:txBody>
+      </p:sp>
     </p:spTree>
     <p:extLst>
       <p:ext uri="{BB962C8B-B14F-4D97-AF65-F5344CB8AC3E}">
-        <p14:creationId xmlns:p14="http://schemas.microsoft.com/office/powerpoint/2010/main" val="866942312"/>
+        <p14:creationId xmlns:p14="http://schemas.microsoft.com/office/powerpoint/2010/main" val="3082161421"/>
       </p:ext>
     </p:extLst>
   </p:cSld>
@@ -12299,7 +11947,15 @@
           <a:p>
             <a:r>
               <a:rPr lang="sv-SE" dirty="0"/>
-              <a:t>Array är en datastruktur för att lagra en ordnad lista av datatyper.</a:t>
+              <a:t>Array är en datastruktur för att lagra en ordnad lista av värden med samma </a:t>
+            </a:r>
+            <a:r>
+              <a:rPr lang="sv-SE" dirty="0" err="1"/>
+              <a:t>datatyp</a:t>
+            </a:r>
+            <a:r>
+              <a:rPr lang="sv-SE" dirty="0"/>
+              <a:t>.</a:t>
             </a:r>
           </a:p>
           <a:p>
@@ -12312,37 +11968,32 @@
             <a:pPr lvl="1"/>
             <a:r>
               <a:rPr lang="sv-SE" dirty="0"/>
-              <a:t>Det finns två syntaxer för att skapa en tom </a:t>
+              <a:t>Det finns två vanliga sätt att </a:t>
             </a:r>
             <a:r>
               <a:rPr lang="sv-SE" dirty="0" err="1"/>
-              <a:t>array</a:t>
-            </a:r>
-            <a:r>
-              <a:rPr lang="sv-SE" dirty="0"/>
-              <a:t>:</a:t>
-            </a:r>
-          </a:p>
-          <a:p>
-            <a:pPr lvl="1"/>
-            <a:r>
-              <a:rPr lang="sv-SE" dirty="0"/>
-              <a:t>Nästan alltid används den andra syntaxen och man kan initiera den med data innanför </a:t>
-            </a:r>
-            <a:r>
-              <a:rPr lang="sv-SE" dirty="0">
-                <a:solidFill>
-                  <a:schemeClr val="tx2">
-                    <a:lumMod val="75000"/>
-                    <a:lumOff val="25000"/>
-                  </a:schemeClr>
-                </a:solidFill>
-              </a:rPr>
-              <a:t>[ … ]</a:t>
-            </a:r>
-            <a:r>
-              <a:rPr lang="sv-SE" dirty="0"/>
-              <a:t> klamrarna:   </a:t>
+              <a:t>att</a:t>
+            </a:r>
+            <a:r>
+              <a:rPr lang="sv-SE" dirty="0"/>
+              <a:t> deklarera </a:t>
+            </a:r>
+            <a:r>
+              <a:rPr lang="sv-SE" dirty="0" err="1"/>
+              <a:t>arrays</a:t>
+            </a:r>
+            <a:r>
+              <a:rPr lang="sv-SE" dirty="0"/>
+              <a:t> i C++:</a:t>
+            </a:r>
+          </a:p>
+          <a:p>
+            <a:pPr marL="457200" lvl="1" indent="0">
+              <a:buNone/>
+            </a:pPr>
+            <a:r>
+              <a:rPr lang="sv-SE" dirty="0"/>
+              <a:t>   </a:t>
             </a:r>
           </a:p>
           <a:p>
@@ -12350,10 +12001,16 @@
             <a:endParaRPr lang="sv-SE" dirty="0"/>
           </a:p>
           <a:p>
+            <a:r>
+              <a:rPr lang="sv-SE" dirty="0"/>
+              <a:t>Indexering</a:t>
+            </a:r>
+          </a:p>
+          <a:p>
             <a:pPr lvl="1"/>
             <a:r>
               <a:rPr lang="sv-SE" dirty="0"/>
-              <a:t>Array-elementen är numrerade, och börjar med noll.  Vi kan få ett element med dess nummer (index):  </a:t>
+              <a:t>Array-elementen är numrerade från 0, precis som i JavaScript. För att få ett värde på ett visst index: </a:t>
             </a:r>
           </a:p>
           <a:p>
@@ -12368,7 +12025,7 @@
             <a:pPr lvl="1"/>
             <a:r>
               <a:rPr lang="sv-SE" dirty="0"/>
-              <a:t>Vi kan tilldela ett element ett nytt värde: </a:t>
+              <a:t>Du kan ändra ett element på ett visst index så här: </a:t>
             </a:r>
           </a:p>
           <a:p>
@@ -12379,39 +12036,55 @@
             <a:pPr lvl="1"/>
             <a:r>
               <a:rPr lang="sv-SE" dirty="0"/>
-              <a:t>Eller lägga till ett nytt värde till listan: </a:t>
-            </a:r>
-          </a:p>
-          <a:p>
-            <a:pPr lvl="1"/>
-            <a:r>
-              <a:rPr lang="sv-SE" dirty="0"/>
-              <a:t>För att få listans längd dvs antal element i den kan vi använda egenskapen </a:t>
-            </a:r>
-            <a:r>
-              <a:rPr lang="sv-SE" dirty="0" err="1">
-                <a:solidFill>
-                  <a:schemeClr val="tx2">
-                    <a:lumMod val="75000"/>
-                    <a:lumOff val="25000"/>
-                  </a:schemeClr>
-                </a:solidFill>
-              </a:rPr>
-              <a:t>length</a:t>
-            </a:r>
-            <a:r>
-              <a:rPr lang="sv-SE" dirty="0"/>
-              <a:t> på listan:</a:t>
-            </a:r>
+              <a:t>Vanliga C++ </a:t>
+            </a:r>
+            <a:r>
+              <a:rPr lang="sv-SE" dirty="0" err="1"/>
+              <a:t>arrays</a:t>
+            </a:r>
+            <a:r>
+              <a:rPr lang="sv-SE" dirty="0"/>
+              <a:t> har fast storlek. För dynamiska listor (där man kan lägga till värden) använder vi istället </a:t>
+            </a:r>
+            <a:r>
+              <a:rPr lang="sv-SE" dirty="0" err="1"/>
+              <a:t>std</a:t>
+            </a:r>
+            <a:r>
+              <a:rPr lang="sv-SE" dirty="0"/>
+              <a:t>::</a:t>
+            </a:r>
+            <a:r>
+              <a:rPr lang="sv-SE" dirty="0" err="1"/>
+              <a:t>vector</a:t>
+            </a:r>
+            <a:r>
+              <a:rPr lang="sv-SE" dirty="0"/>
+              <a:t> från &lt;</a:t>
+            </a:r>
+            <a:r>
+              <a:rPr lang="sv-SE" dirty="0" err="1"/>
+              <a:t>vector</a:t>
+            </a:r>
+            <a:r>
+              <a:rPr lang="sv-SE" dirty="0"/>
+              <a:t>&gt;</a:t>
+            </a:r>
+          </a:p>
+          <a:p>
+            <a:pPr marL="457200" lvl="1" indent="0">
+              <a:buNone/>
+            </a:pPr>
+            <a:endParaRPr lang="sv-SE" dirty="0"/>
           </a:p>
         </p:txBody>
       </p:sp>
       <p:pic>
         <p:nvPicPr>
-          <p:cNvPr id="3" name="Picture 2">
+          <p:cNvPr id="7" name="Picture 6">
             <a:extLst>
               <a:ext uri="{FF2B5EF4-FFF2-40B4-BE49-F238E27FC236}">
-                <a16:creationId xmlns:a16="http://schemas.microsoft.com/office/drawing/2014/main" id="{EC4BC747-0DE8-48FF-9C0F-800B84649661}"/>
+                <a16:creationId xmlns:a16="http://schemas.microsoft.com/office/drawing/2014/main" id="{BA43148A-8231-B7B3-8925-758324C241F1}"/>
               </a:ext>
             </a:extLst>
           </p:cNvPr>
@@ -12428,8 +12101,8 @@
         </p:blipFill>
         <p:spPr>
           <a:xfrm>
-            <a:off x="6988066" y="1275293"/>
-            <a:ext cx="4000500" cy="533400"/>
+            <a:off x="2148624" y="2000753"/>
+            <a:ext cx="6700126" cy="596023"/>
           </a:xfrm>
           <a:prstGeom prst="rect">
             <a:avLst/>
@@ -12438,10 +12111,10 @@
       </p:pic>
       <p:pic>
         <p:nvPicPr>
-          <p:cNvPr id="4" name="Picture 3">
+          <p:cNvPr id="13" name="Picture 12">
             <a:extLst>
               <a:ext uri="{FF2B5EF4-FFF2-40B4-BE49-F238E27FC236}">
-                <a16:creationId xmlns:a16="http://schemas.microsoft.com/office/drawing/2014/main" id="{F659B62E-8720-4984-9DD5-C0389588B7DA}"/>
+                <a16:creationId xmlns:a16="http://schemas.microsoft.com/office/drawing/2014/main" id="{368A989C-F575-0F48-CEF5-A74F3D48A0BF}"/>
               </a:ext>
             </a:extLst>
           </p:cNvPr>
@@ -12458,8 +12131,8 @@
         </p:blipFill>
         <p:spPr>
           <a:xfrm>
-            <a:off x="6988066" y="2391183"/>
-            <a:ext cx="3962400" cy="371475"/>
+            <a:off x="2148624" y="3676651"/>
+            <a:ext cx="6253400" cy="419099"/>
           </a:xfrm>
           <a:prstGeom prst="rect">
             <a:avLst/>
@@ -12468,10 +12141,10 @@
       </p:pic>
       <p:pic>
         <p:nvPicPr>
-          <p:cNvPr id="8" name="Picture 7">
+          <p:cNvPr id="15" name="Picture 14">
             <a:extLst>
               <a:ext uri="{FF2B5EF4-FFF2-40B4-BE49-F238E27FC236}">
-                <a16:creationId xmlns:a16="http://schemas.microsoft.com/office/drawing/2014/main" id="{74E72CD2-2367-4F5F-B44F-4E089F4044D0}"/>
+                <a16:creationId xmlns:a16="http://schemas.microsoft.com/office/drawing/2014/main" id="{314ECEF2-C838-0EE1-5401-80096F2418AE}"/>
               </a:ext>
             </a:extLst>
           </p:cNvPr>
@@ -12488,8 +12161,8 @@
         </p:blipFill>
         <p:spPr>
           <a:xfrm>
-            <a:off x="6988066" y="3429000"/>
-            <a:ext cx="3886200" cy="666750"/>
+            <a:off x="2148623" y="4646823"/>
+            <a:ext cx="4808611" cy="419099"/>
           </a:xfrm>
           <a:prstGeom prst="rect">
             <a:avLst/>
@@ -12498,10 +12171,10 @@
       </p:pic>
       <p:pic>
         <p:nvPicPr>
-          <p:cNvPr id="10" name="Picture 9">
+          <p:cNvPr id="17" name="Picture 16">
             <a:extLst>
               <a:ext uri="{FF2B5EF4-FFF2-40B4-BE49-F238E27FC236}">
-                <a16:creationId xmlns:a16="http://schemas.microsoft.com/office/drawing/2014/main" id="{3B2C8C24-D4E4-42EE-858E-DAC4A2E035B8}"/>
+                <a16:creationId xmlns:a16="http://schemas.microsoft.com/office/drawing/2014/main" id="{16D61588-6F27-00D5-2F82-8FA4C040A791}"/>
               </a:ext>
             </a:extLst>
           </p:cNvPr>
@@ -12518,68 +12191,8 @@
         </p:blipFill>
         <p:spPr>
           <a:xfrm>
-            <a:off x="6650420" y="4482223"/>
-            <a:ext cx="5172075" cy="419100"/>
-          </a:xfrm>
-          <a:prstGeom prst="rect">
-            <a:avLst/>
-          </a:prstGeom>
-        </p:spPr>
-      </p:pic>
-      <p:pic>
-        <p:nvPicPr>
-          <p:cNvPr id="11" name="Picture 10">
-            <a:extLst>
-              <a:ext uri="{FF2B5EF4-FFF2-40B4-BE49-F238E27FC236}">
-                <a16:creationId xmlns:a16="http://schemas.microsoft.com/office/drawing/2014/main" id="{4465874D-3CA5-4EEE-BED2-ACC701800BA6}"/>
-              </a:ext>
-            </a:extLst>
-          </p:cNvPr>
-          <p:cNvPicPr>
-            <a:picLocks noChangeAspect="1"/>
-          </p:cNvPicPr>
-          <p:nvPr/>
-        </p:nvPicPr>
-        <p:blipFill>
-          <a:blip r:embed="rId7"/>
-          <a:stretch>
-            <a:fillRect/>
-          </a:stretch>
-        </p:blipFill>
-        <p:spPr>
-          <a:xfrm>
-            <a:off x="5749816" y="5287796"/>
-            <a:ext cx="6477000" cy="371475"/>
-          </a:xfrm>
-          <a:prstGeom prst="rect">
-            <a:avLst/>
-          </a:prstGeom>
-        </p:spPr>
-      </p:pic>
-      <p:pic>
-        <p:nvPicPr>
-          <p:cNvPr id="12" name="Picture 11">
-            <a:extLst>
-              <a:ext uri="{FF2B5EF4-FFF2-40B4-BE49-F238E27FC236}">
-                <a16:creationId xmlns:a16="http://schemas.microsoft.com/office/drawing/2014/main" id="{48DA80B5-67D7-44BC-AC93-DB3D3A2ECC06}"/>
-              </a:ext>
-            </a:extLst>
-          </p:cNvPr>
-          <p:cNvPicPr>
-            <a:picLocks noChangeAspect="1"/>
-          </p:cNvPicPr>
-          <p:nvPr/>
-        </p:nvPicPr>
-        <p:blipFill>
-          <a:blip r:embed="rId8"/>
-          <a:stretch>
-            <a:fillRect/>
-          </a:stretch>
-        </p:blipFill>
-        <p:spPr>
-          <a:xfrm>
-            <a:off x="2930416" y="6234240"/>
-            <a:ext cx="5638800" cy="295275"/>
+            <a:off x="5387378" y="5616996"/>
+            <a:ext cx="3991806" cy="1075462"/>
           </a:xfrm>
           <a:prstGeom prst="rect">
             <a:avLst/>
@@ -12645,28 +12258,10 @@
           <a:lstStyle/>
           <a:p>
             <a:r>
-              <a:rPr lang="en-US" sz="4000" dirty="0" err="1">
-                <a:latin typeface="Bodoni MT" panose="02070603080606020203" pitchFamily="18" charset="0"/>
-              </a:rPr>
-              <a:t>Metoder</a:t>
-            </a:r>
-            <a:r>
               <a:rPr lang="en-US" sz="4000" dirty="0">
                 <a:latin typeface="Bodoni MT" panose="02070603080606020203" pitchFamily="18" charset="0"/>
               </a:rPr>
-              <a:t> </a:t>
-            </a:r>
-            <a:r>
-              <a:rPr lang="en-US" sz="4000" dirty="0" err="1">
-                <a:latin typeface="Bodoni MT" panose="02070603080606020203" pitchFamily="18" charset="0"/>
-              </a:rPr>
-              <a:t>på</a:t>
-            </a:r>
-            <a:r>
-              <a:rPr lang="en-US" sz="4000" dirty="0">
-                <a:latin typeface="Bodoni MT" panose="02070603080606020203" pitchFamily="18" charset="0"/>
-              </a:rPr>
-              <a:t> Arrays (</a:t>
+              <a:t>FORTS(</a:t>
             </a:r>
             <a:r>
               <a:rPr lang="en-US" sz="4000" dirty="0" err="1">
@@ -12713,165 +12308,17 @@
           <a:p>
             <a:r>
               <a:rPr lang="sv-SE" dirty="0"/>
-              <a:t>En </a:t>
-            </a:r>
-            <a:r>
-              <a:rPr lang="sv-SE" dirty="0" err="1"/>
-              <a:t>array</a:t>
-            </a:r>
-            <a:r>
-              <a:rPr lang="sv-SE" dirty="0"/>
-              <a:t> kan jämföras med en kö till kassan i en matbutik.</a:t>
-            </a:r>
-          </a:p>
-          <a:p>
-            <a:r>
-              <a:rPr lang="sv-SE" dirty="0"/>
-              <a:t>Metoder som arbetar med änden av en </a:t>
-            </a:r>
-            <a:r>
-              <a:rPr lang="sv-SE" dirty="0" err="1"/>
-              <a:t>array</a:t>
-            </a:r>
-            <a:endParaRPr lang="sv-SE" dirty="0"/>
-          </a:p>
-          <a:p>
-            <a:pPr lvl="1"/>
-            <a:r>
-              <a:rPr lang="sv-SE" dirty="0">
-                <a:solidFill>
-                  <a:schemeClr val="tx2">
-                    <a:lumMod val="75000"/>
-                    <a:lumOff val="25000"/>
-                  </a:schemeClr>
-                </a:solidFill>
-              </a:rPr>
-              <a:t>pop()</a:t>
-            </a:r>
-            <a:r>
-              <a:rPr lang="sv-SE" dirty="0"/>
-              <a:t> tar bort det sista elementet i </a:t>
-            </a:r>
-            <a:r>
-              <a:rPr lang="sv-SE" dirty="0" err="1"/>
-              <a:t>arrayen</a:t>
-            </a:r>
-            <a:r>
-              <a:rPr lang="sv-SE" dirty="0"/>
-              <a:t>/listan och returnerar det:</a:t>
-            </a:r>
-          </a:p>
-          <a:p>
-            <a:pPr lvl="1"/>
-            <a:endParaRPr lang="sv-SE" dirty="0"/>
-          </a:p>
-          <a:p>
-            <a:pPr lvl="1"/>
-            <a:endParaRPr lang="sv-SE" dirty="0"/>
-          </a:p>
-          <a:p>
-            <a:pPr lvl="1"/>
-            <a:endParaRPr lang="sv-SE" dirty="0"/>
-          </a:p>
-          <a:p>
-            <a:pPr lvl="1"/>
-            <a:r>
-              <a:rPr lang="sv-SE" dirty="0">
-                <a:solidFill>
-                  <a:schemeClr val="tx2">
-                    <a:lumMod val="75000"/>
-                    <a:lumOff val="25000"/>
-                  </a:schemeClr>
-                </a:solidFill>
-              </a:rPr>
-              <a:t>push() </a:t>
-            </a:r>
-            <a:r>
-              <a:rPr lang="sv-SE" dirty="0"/>
-              <a:t>lägger till elementet i slutet av </a:t>
-            </a:r>
-            <a:r>
-              <a:rPr lang="sv-SE" dirty="0" err="1"/>
-              <a:t>arrayen</a:t>
-            </a:r>
-            <a:r>
-              <a:rPr lang="sv-SE" dirty="0"/>
-              <a:t>/listan: </a:t>
-            </a:r>
-          </a:p>
-          <a:p>
-            <a:pPr lvl="1"/>
-            <a:endParaRPr lang="sv-SE" dirty="0"/>
-          </a:p>
-          <a:p>
-            <a:pPr lvl="1"/>
-            <a:endParaRPr lang="sv-SE" dirty="0"/>
-          </a:p>
-          <a:p>
-            <a:pPr marL="457200" lvl="1" indent="0">
-              <a:buNone/>
-            </a:pPr>
-            <a:endParaRPr lang="sv-SE" dirty="0"/>
-          </a:p>
-          <a:p>
-            <a:r>
-              <a:rPr lang="sv-SE" dirty="0"/>
-              <a:t>Metoder som arbetar med början av en </a:t>
-            </a:r>
-            <a:r>
-              <a:rPr lang="sv-SE" dirty="0" err="1"/>
-              <a:t>array</a:t>
-            </a:r>
-            <a:r>
-              <a:rPr lang="sv-SE" dirty="0"/>
-              <a:t>:</a:t>
-            </a:r>
-          </a:p>
-          <a:p>
-            <a:pPr lvl="1"/>
-            <a:r>
-              <a:rPr lang="sv-SE" dirty="0" err="1">
-                <a:solidFill>
-                  <a:schemeClr val="tx2">
-                    <a:lumMod val="75000"/>
-                    <a:lumOff val="25000"/>
-                  </a:schemeClr>
-                </a:solidFill>
-              </a:rPr>
-              <a:t>shift</a:t>
-            </a:r>
-            <a:r>
-              <a:rPr lang="sv-SE" dirty="0">
-                <a:solidFill>
-                  <a:schemeClr val="tx2">
-                    <a:lumMod val="75000"/>
-                    <a:lumOff val="25000"/>
-                  </a:schemeClr>
-                </a:solidFill>
-              </a:rPr>
-              <a:t>()</a:t>
-            </a:r>
-            <a:r>
-              <a:rPr lang="sv-SE" dirty="0"/>
-              <a:t> tar bort det första elementet i </a:t>
-            </a:r>
-            <a:r>
-              <a:rPr lang="sv-SE" dirty="0" err="1"/>
-              <a:t>arrayen</a:t>
-            </a:r>
-            <a:r>
-              <a:rPr lang="sv-SE" dirty="0"/>
-              <a:t>/listan och returnerar det:</a:t>
+              <a:t>Hitta längden</a:t>
             </a:r>
           </a:p>
         </p:txBody>
       </p:sp>
       <p:pic>
         <p:nvPicPr>
-          <p:cNvPr id="6" name="Picture 5">
+          <p:cNvPr id="4" name="Picture 3">
             <a:extLst>
               <a:ext uri="{FF2B5EF4-FFF2-40B4-BE49-F238E27FC236}">
-                <a16:creationId xmlns:a16="http://schemas.microsoft.com/office/drawing/2014/main" id="{EC174ABE-C73B-4E0C-AB09-5937463FE1F5}"/>
+                <a16:creationId xmlns:a16="http://schemas.microsoft.com/office/drawing/2014/main" id="{B275E053-A24D-760E-38C4-B3894CCEDC9C}"/>
               </a:ext>
             </a:extLst>
           </p:cNvPr>
@@ -12888,68 +12335,8 @@
         </p:blipFill>
         <p:spPr>
           <a:xfrm>
-            <a:off x="1935545" y="1880711"/>
-            <a:ext cx="4714875" cy="1104900"/>
-          </a:xfrm>
-          <a:prstGeom prst="rect">
-            <a:avLst/>
-          </a:prstGeom>
-        </p:spPr>
-      </p:pic>
-      <p:pic>
-        <p:nvPicPr>
-          <p:cNvPr id="7" name="Picture 6">
-            <a:extLst>
-              <a:ext uri="{FF2B5EF4-FFF2-40B4-BE49-F238E27FC236}">
-                <a16:creationId xmlns:a16="http://schemas.microsoft.com/office/drawing/2014/main" id="{B817A3B6-236A-42EC-9882-F848870EF212}"/>
-              </a:ext>
-            </a:extLst>
-          </p:cNvPr>
-          <p:cNvPicPr>
-            <a:picLocks noChangeAspect="1"/>
-          </p:cNvPicPr>
-          <p:nvPr/>
-        </p:nvPicPr>
-        <p:blipFill>
-          <a:blip r:embed="rId4"/>
-          <a:stretch>
-            <a:fillRect/>
-          </a:stretch>
-        </p:blipFill>
-        <p:spPr>
-          <a:xfrm>
-            <a:off x="1935545" y="3429000"/>
-            <a:ext cx="4638675" cy="1190625"/>
-          </a:xfrm>
-          <a:prstGeom prst="rect">
-            <a:avLst/>
-          </a:prstGeom>
-        </p:spPr>
-      </p:pic>
-      <p:pic>
-        <p:nvPicPr>
-          <p:cNvPr id="9" name="Picture 8">
-            <a:extLst>
-              <a:ext uri="{FF2B5EF4-FFF2-40B4-BE49-F238E27FC236}">
-                <a16:creationId xmlns:a16="http://schemas.microsoft.com/office/drawing/2014/main" id="{AF802F90-C4FB-4521-BBBF-4B57B1F80AF7}"/>
-              </a:ext>
-            </a:extLst>
-          </p:cNvPr>
-          <p:cNvPicPr>
-            <a:picLocks noChangeAspect="1"/>
-          </p:cNvPicPr>
-          <p:nvPr/>
-        </p:nvPicPr>
-        <p:blipFill>
-          <a:blip r:embed="rId5"/>
-          <a:stretch>
-            <a:fillRect/>
-          </a:stretch>
-        </p:blipFill>
-        <p:spPr>
-          <a:xfrm>
-            <a:off x="1864107" y="5465664"/>
-            <a:ext cx="4857750" cy="1123950"/>
+            <a:off x="1422890" y="1389888"/>
+            <a:ext cx="7773264" cy="1130081"/>
           </a:xfrm>
           <a:prstGeom prst="rect">
             <a:avLst/>
@@ -14742,46 +14129,15 @@
           </a:bodyPr>
           <a:lstStyle/>
           <a:p>
-            <a:r>
-              <a:rPr lang="sv-SE" dirty="0"/>
-              <a:t>Metoder som arbetar med början av en </a:t>
-            </a:r>
-            <a:r>
-              <a:rPr lang="sv-SE" dirty="0" err="1"/>
-              <a:t>array</a:t>
-            </a:r>
-            <a:r>
-              <a:rPr lang="sv-SE" dirty="0"/>
-              <a:t>:</a:t>
-            </a:r>
-          </a:p>
-          <a:p>
-            <a:pPr lvl="1"/>
-            <a:r>
-              <a:rPr lang="sv-SE" dirty="0" err="1">
-                <a:solidFill>
-                  <a:schemeClr val="tx2">
-                    <a:lumMod val="75000"/>
-                    <a:lumOff val="25000"/>
-                  </a:schemeClr>
-                </a:solidFill>
-              </a:rPr>
-              <a:t>shift</a:t>
-            </a:r>
-            <a:r>
-              <a:rPr lang="sv-SE" dirty="0">
-                <a:solidFill>
-                  <a:schemeClr val="tx2">
-                    <a:lumMod val="75000"/>
-                    <a:lumOff val="25000"/>
-                  </a:schemeClr>
-                </a:solidFill>
-              </a:rPr>
-              <a:t>()</a:t>
-            </a:r>
-            <a:r>
-              <a:rPr lang="sv-SE" dirty="0"/>
-              <a:t> tar bort det första elementet i </a:t>
+            <a:pPr marL="0" indent="0">
+              <a:buNone/>
+            </a:pPr>
+            <a:endParaRPr lang="sv-SE" dirty="0"/>
+          </a:p>
+          <a:p>
+            <a:r>
+              <a:rPr lang="sv-SE" dirty="0"/>
+              <a:t>Tar bort det första elementet i </a:t>
             </a:r>
             <a:r>
               <a:rPr lang="sv-SE" dirty="0" err="1"/>
@@ -14811,32 +14167,9 @@
             <a:endParaRPr lang="sv-SE" dirty="0"/>
           </a:p>
           <a:p>
-            <a:pPr lvl="1"/>
-            <a:r>
-              <a:rPr lang="sv-SE" dirty="0" err="1">
-                <a:solidFill>
-                  <a:schemeClr val="tx2">
-                    <a:lumMod val="75000"/>
-                    <a:lumOff val="25000"/>
-                  </a:schemeClr>
-                </a:solidFill>
-              </a:rPr>
-              <a:t>unshift</a:t>
-            </a:r>
-            <a:r>
-              <a:rPr lang="sv-SE" dirty="0">
-                <a:solidFill>
-                  <a:schemeClr val="tx2">
-                    <a:lumMod val="75000"/>
-                    <a:lumOff val="25000"/>
-                  </a:schemeClr>
-                </a:solidFill>
-              </a:rPr>
-              <a:t>()</a:t>
-            </a:r>
-            <a:r>
-              <a:rPr lang="sv-SE" dirty="0"/>
-              <a:t> lägg till elementet i början av </a:t>
+            <a:r>
+              <a:rPr lang="sv-SE" dirty="0"/>
+              <a:t>Lägg till elementet i början av </a:t>
             </a:r>
             <a:r>
               <a:rPr lang="sv-SE" dirty="0" err="1"/>
@@ -14852,73 +14185,25 @@
             <a:endParaRPr lang="sv-SE" dirty="0"/>
           </a:p>
           <a:p>
-            <a:pPr lvl="1"/>
+            <a:pPr marL="457200" lvl="1" indent="0">
+              <a:buNone/>
+            </a:pPr>
             <a:endParaRPr lang="sv-SE" dirty="0"/>
           </a:p>
           <a:p>
-            <a:pPr lvl="1"/>
-            <a:endParaRPr lang="sv-SE" dirty="0"/>
-          </a:p>
-          <a:p>
-            <a:pPr lvl="1"/>
-            <a:endParaRPr lang="sv-SE" dirty="0"/>
-          </a:p>
-          <a:p>
-            <a:pPr lvl="1"/>
-            <a:r>
-              <a:rPr lang="sv-SE" dirty="0"/>
-              <a:t>Metoderna </a:t>
-            </a:r>
-            <a:r>
-              <a:rPr lang="sv-SE" dirty="0">
-                <a:solidFill>
-                  <a:schemeClr val="tx2">
-                    <a:lumMod val="75000"/>
-                    <a:lumOff val="25000"/>
-                  </a:schemeClr>
-                </a:solidFill>
-              </a:rPr>
-              <a:t>push() </a:t>
-            </a:r>
-            <a:r>
-              <a:rPr lang="sv-SE" dirty="0"/>
-              <a:t>och </a:t>
-            </a:r>
-            <a:r>
-              <a:rPr lang="sv-SE" dirty="0" err="1">
-                <a:solidFill>
-                  <a:schemeClr val="tx2">
-                    <a:lumMod val="75000"/>
-                    <a:lumOff val="25000"/>
-                  </a:schemeClr>
-                </a:solidFill>
-              </a:rPr>
-              <a:t>unshift</a:t>
-            </a:r>
-            <a:r>
-              <a:rPr lang="sv-SE" dirty="0">
-                <a:solidFill>
-                  <a:schemeClr val="tx2">
-                    <a:lumMod val="75000"/>
-                    <a:lumOff val="25000"/>
-                  </a:schemeClr>
-                </a:solidFill>
-              </a:rPr>
-              <a:t>()</a:t>
-            </a:r>
-            <a:r>
-              <a:rPr lang="sv-SE" dirty="0"/>
-              <a:t> kan lägga till flera element samtidigt:</a:t>
+            <a:r>
+              <a:rPr lang="sv-SE" dirty="0"/>
+              <a:t>Lägg till flera element i början:</a:t>
             </a:r>
           </a:p>
         </p:txBody>
       </p:sp>
       <p:pic>
         <p:nvPicPr>
-          <p:cNvPr id="9" name="Picture 8">
+          <p:cNvPr id="7" name="Picture 6">
             <a:extLst>
               <a:ext uri="{FF2B5EF4-FFF2-40B4-BE49-F238E27FC236}">
-                <a16:creationId xmlns:a16="http://schemas.microsoft.com/office/drawing/2014/main" id="{AF802F90-C4FB-4521-BBBF-4B57B1F80AF7}"/>
+                <a16:creationId xmlns:a16="http://schemas.microsoft.com/office/drawing/2014/main" id="{3F664209-59D6-F964-4981-D0BC84E3288A}"/>
               </a:ext>
             </a:extLst>
           </p:cNvPr>
@@ -14935,8 +14220,8 @@
         </p:blipFill>
         <p:spPr>
           <a:xfrm>
-            <a:off x="1979516" y="1532856"/>
-            <a:ext cx="4857750" cy="1123950"/>
+            <a:off x="2416889" y="1300631"/>
+            <a:ext cx="3679111" cy="1659749"/>
           </a:xfrm>
           <a:prstGeom prst="rect">
             <a:avLst/>
@@ -14945,10 +14230,10 @@
       </p:pic>
       <p:pic>
         <p:nvPicPr>
-          <p:cNvPr id="3" name="Picture 2">
+          <p:cNvPr id="10" name="Picture 9">
             <a:extLst>
               <a:ext uri="{FF2B5EF4-FFF2-40B4-BE49-F238E27FC236}">
-                <a16:creationId xmlns:a16="http://schemas.microsoft.com/office/drawing/2014/main" id="{3859A29C-F19B-414D-B6F1-7D945135ADC2}"/>
+                <a16:creationId xmlns:a16="http://schemas.microsoft.com/office/drawing/2014/main" id="{2A2BC5D5-82A1-ACD1-7BCC-40C31D133979}"/>
               </a:ext>
             </a:extLst>
           </p:cNvPr>
@@ -14965,8 +14250,8 @@
         </p:blipFill>
         <p:spPr>
           <a:xfrm>
-            <a:off x="1979516" y="3510392"/>
-            <a:ext cx="4476750" cy="1162050"/>
+            <a:off x="2416889" y="3581741"/>
+            <a:ext cx="4618062" cy="384838"/>
           </a:xfrm>
           <a:prstGeom prst="rect">
             <a:avLst/>
@@ -14975,10 +14260,10 @@
       </p:pic>
       <p:pic>
         <p:nvPicPr>
-          <p:cNvPr id="4" name="Picture 3">
+          <p:cNvPr id="12" name="Picture 11">
             <a:extLst>
               <a:ext uri="{FF2B5EF4-FFF2-40B4-BE49-F238E27FC236}">
-                <a16:creationId xmlns:a16="http://schemas.microsoft.com/office/drawing/2014/main" id="{372E54F7-012A-4D9D-9A30-173F925E5A7B}"/>
+                <a16:creationId xmlns:a16="http://schemas.microsoft.com/office/drawing/2014/main" id="{F02E6FF8-0018-9136-7A07-63EAE6C14A33}"/>
               </a:ext>
             </a:extLst>
           </p:cNvPr>
@@ -14995,8 +14280,8 @@
         </p:blipFill>
         <p:spPr>
           <a:xfrm>
-            <a:off x="1962758" y="5276850"/>
-            <a:ext cx="5743575" cy="1581150"/>
+            <a:off x="2416889" y="4642034"/>
+            <a:ext cx="4389500" cy="388654"/>
           </a:xfrm>
           <a:prstGeom prst="rect">
             <a:avLst/>
@@ -15099,6 +14384,41 @@
                 <a:latin typeface="Bodoni MT" panose="02070603080606020203" pitchFamily="18" charset="0"/>
               </a:rPr>
               <a:t>Lets Go Champ!</a:t>
+            </a:r>
+          </a:p>
+        </p:txBody>
+      </p:sp>
+      <p:sp>
+        <p:nvSpPr>
+          <p:cNvPr id="4" name="TextBox 3">
+            <a:extLst>
+              <a:ext uri="{FF2B5EF4-FFF2-40B4-BE49-F238E27FC236}">
+                <a16:creationId xmlns:a16="http://schemas.microsoft.com/office/drawing/2014/main" id="{57306841-1670-9085-5B3E-0F6B7AAA55C9}"/>
+              </a:ext>
+            </a:extLst>
+          </p:cNvPr>
+          <p:cNvSpPr txBox="1"/>
+          <p:nvPr/>
+        </p:nvSpPr>
+        <p:spPr>
+          <a:xfrm>
+            <a:off x="4190260" y="3672681"/>
+            <a:ext cx="6658252" cy="369332"/>
+          </a:xfrm>
+          <a:prstGeom prst="rect">
+            <a:avLst/>
+          </a:prstGeom>
+          <a:noFill/>
+        </p:spPr>
+        <p:txBody>
+          <a:bodyPr wrap="square">
+            <a:spAutoFit/>
+          </a:bodyPr>
+          <a:lstStyle/>
+          <a:p>
+            <a:r>
+              <a:rPr lang="sv-SE" dirty="0"/>
+              <a:t>https://www.youtube.com/watch?v=iVmyG1qNuPQ</a:t>
             </a:r>
           </a:p>
         </p:txBody>
@@ -16947,7 +16267,7 @@
           <a:p>
             <a:r>
               <a:rPr lang="sv-SE" dirty="0"/>
-              <a:t>Följande jämförelseoperatorer finns i JavaScript:</a:t>
+              <a:t>Följande jämförelseoperatorer finns i C++:</a:t>
             </a:r>
           </a:p>
           <a:p>
@@ -17132,10 +16452,10 @@
       </p:sp>
       <p:pic>
         <p:nvPicPr>
-          <p:cNvPr id="3" name="Picture 2">
+          <p:cNvPr id="6" name="Picture 5">
             <a:extLst>
               <a:ext uri="{FF2B5EF4-FFF2-40B4-BE49-F238E27FC236}">
-                <a16:creationId xmlns:a16="http://schemas.microsoft.com/office/drawing/2014/main" id="{04CAC3A0-BF50-4D19-AFBB-5AC16CF8DA6E}"/>
+                <a16:creationId xmlns:a16="http://schemas.microsoft.com/office/drawing/2014/main" id="{3E448156-0521-BDC7-4DDF-B54478B74CFC}"/>
               </a:ext>
             </a:extLst>
           </p:cNvPr>
@@ -17152,8 +16472,8 @@
         </p:blipFill>
         <p:spPr>
           <a:xfrm>
-            <a:off x="1704512" y="4125712"/>
-            <a:ext cx="6901047" cy="886767"/>
+            <a:off x="1883599" y="5868610"/>
+            <a:ext cx="4016088" cy="883997"/>
           </a:xfrm>
           <a:prstGeom prst="rect">
             <a:avLst/>
@@ -17162,10 +16482,10 @@
       </p:pic>
       <p:pic>
         <p:nvPicPr>
-          <p:cNvPr id="8" name="Picture 7">
+          <p:cNvPr id="9" name="Picture 8">
             <a:extLst>
               <a:ext uri="{FF2B5EF4-FFF2-40B4-BE49-F238E27FC236}">
-                <a16:creationId xmlns:a16="http://schemas.microsoft.com/office/drawing/2014/main" id="{EF394863-0C67-45F5-B63F-79C20C0C1324}"/>
+                <a16:creationId xmlns:a16="http://schemas.microsoft.com/office/drawing/2014/main" id="{08BCB2D6-A7FB-4754-63D0-89D4326AA77E}"/>
               </a:ext>
             </a:extLst>
           </p:cNvPr>
@@ -17182,8 +16502,8 @@
         </p:blipFill>
         <p:spPr>
           <a:xfrm>
-            <a:off x="1704512" y="5840159"/>
-            <a:ext cx="8262327" cy="814477"/>
+            <a:off x="1883599" y="4233173"/>
+            <a:ext cx="2286198" cy="891617"/>
           </a:xfrm>
           <a:prstGeom prst="rect">
             <a:avLst/>
@@ -17324,67 +16644,31 @@
             </a:r>
             <a:r>
               <a:rPr lang="sv-SE" dirty="0"/>
-              <a:t>, en tom sträng </a:t>
-            </a:r>
-            <a:r>
-              <a:rPr lang="sv-SE" dirty="0">
-                <a:solidFill>
-                  <a:schemeClr val="tx2">
-                    <a:lumMod val="75000"/>
-                    <a:lumOff val="25000"/>
-                  </a:schemeClr>
-                </a:solidFill>
-              </a:rPr>
-              <a:t>””</a:t>
-            </a:r>
-            <a:r>
-              <a:rPr lang="sv-SE" dirty="0"/>
               <a:t>, </a:t>
             </a:r>
             <a:r>
-              <a:rPr lang="sv-SE" dirty="0" err="1">
-                <a:solidFill>
-                  <a:schemeClr val="tx2">
-                    <a:lumMod val="75000"/>
-                    <a:lumOff val="25000"/>
-                  </a:schemeClr>
-                </a:solidFill>
-              </a:rPr>
-              <a:t>null</a:t>
+              <a:rPr lang="sv-SE" dirty="0" err="1"/>
+              <a:t>false</a:t>
             </a:r>
             <a:r>
               <a:rPr lang="sv-SE" dirty="0"/>
               <a:t>, </a:t>
             </a:r>
             <a:r>
-              <a:rPr lang="sv-SE" dirty="0" err="1">
-                <a:solidFill>
-                  <a:schemeClr val="tx2">
-                    <a:lumMod val="75000"/>
-                    <a:lumOff val="25000"/>
-                  </a:schemeClr>
-                </a:solidFill>
-              </a:rPr>
-              <a:t>undefined</a:t>
-            </a:r>
-            <a:r>
-              <a:rPr lang="sv-SE" dirty="0"/>
-              <a:t> och </a:t>
-            </a:r>
-            <a:r>
-              <a:rPr lang="sv-SE" dirty="0" err="1">
-                <a:solidFill>
-                  <a:schemeClr val="tx2">
-                    <a:lumMod val="75000"/>
-                    <a:lumOff val="25000"/>
-                  </a:schemeClr>
-                </a:solidFill>
-              </a:rPr>
-              <a:t>NaN</a:t>
-            </a:r>
-            <a:r>
-              <a:rPr lang="sv-SE" dirty="0"/>
-              <a:t> blir alla falska. Därför kallas de för ”falska” värden.</a:t>
+              <a:rPr lang="sv-SE" dirty="0" err="1"/>
+              <a:t>nullpekare</a:t>
+            </a:r>
+            <a:r>
+              <a:rPr lang="sv-SE" dirty="0"/>
+              <a:t> (</a:t>
+            </a:r>
+            <a:r>
+              <a:rPr lang="sv-SE" dirty="0" err="1"/>
+              <a:t>nullptr</a:t>
+            </a:r>
+            <a:r>
+              <a:rPr lang="sv-SE" dirty="0"/>
+              <a:t>) blir alla falska. Därför kallas de för ”falska” värden.</a:t>
             </a:r>
           </a:p>
           <a:p>
@@ -17444,10 +16728,10 @@
       </p:sp>
       <p:pic>
         <p:nvPicPr>
-          <p:cNvPr id="4" name="Picture 3">
+          <p:cNvPr id="8" name="Picture 7">
             <a:extLst>
               <a:ext uri="{FF2B5EF4-FFF2-40B4-BE49-F238E27FC236}">
-                <a16:creationId xmlns:a16="http://schemas.microsoft.com/office/drawing/2014/main" id="{ECF9A474-A6FD-44D5-B996-54AFEF614EE4}"/>
+                <a16:creationId xmlns:a16="http://schemas.microsoft.com/office/drawing/2014/main" id="{B75A13CD-B6AB-F155-9233-3D437BF85F7D}"/>
               </a:ext>
             </a:extLst>
           </p:cNvPr>
@@ -17464,8 +16748,8 @@
         </p:blipFill>
         <p:spPr>
           <a:xfrm>
-            <a:off x="1551573" y="1362683"/>
-            <a:ext cx="4544427" cy="915347"/>
+            <a:off x="1795577" y="1466422"/>
+            <a:ext cx="3063505" cy="838273"/>
           </a:xfrm>
           <a:prstGeom prst="rect">
             <a:avLst/>
@@ -17474,10 +16758,10 @@
       </p:pic>
       <p:pic>
         <p:nvPicPr>
-          <p:cNvPr id="6" name="Picture 5">
+          <p:cNvPr id="11" name="Picture 10">
             <a:extLst>
               <a:ext uri="{FF2B5EF4-FFF2-40B4-BE49-F238E27FC236}">
-                <a16:creationId xmlns:a16="http://schemas.microsoft.com/office/drawing/2014/main" id="{9DCF12DF-A806-4DA3-BA2B-0B0D95EAE5EA}"/>
+                <a16:creationId xmlns:a16="http://schemas.microsoft.com/office/drawing/2014/main" id="{918E40B7-6570-4E31-085B-9259ACF80CF4}"/>
               </a:ext>
             </a:extLst>
           </p:cNvPr>
@@ -17494,68 +16778,8 @@
         </p:blipFill>
         <p:spPr>
           <a:xfrm>
-            <a:off x="1551573" y="3448470"/>
-            <a:ext cx="2447925" cy="723900"/>
-          </a:xfrm>
-          <a:prstGeom prst="rect">
-            <a:avLst/>
-          </a:prstGeom>
-        </p:spPr>
-      </p:pic>
-      <p:pic>
-        <p:nvPicPr>
-          <p:cNvPr id="7" name="Picture 6">
-            <a:extLst>
-              <a:ext uri="{FF2B5EF4-FFF2-40B4-BE49-F238E27FC236}">
-                <a16:creationId xmlns:a16="http://schemas.microsoft.com/office/drawing/2014/main" id="{027ADF1B-3E0D-4AD0-AB48-9FACD2DC9C52}"/>
-              </a:ext>
-            </a:extLst>
-          </p:cNvPr>
-          <p:cNvPicPr>
-            <a:picLocks noChangeAspect="1"/>
-          </p:cNvPicPr>
-          <p:nvPr/>
-        </p:nvPicPr>
-        <p:blipFill>
-          <a:blip r:embed="rId5"/>
-          <a:stretch>
-            <a:fillRect/>
-          </a:stretch>
-        </p:blipFill>
-        <p:spPr>
-          <a:xfrm>
-            <a:off x="4859082" y="3482111"/>
-            <a:ext cx="2867025" cy="695325"/>
-          </a:xfrm>
-          <a:prstGeom prst="rect">
-            <a:avLst/>
-          </a:prstGeom>
-        </p:spPr>
-      </p:pic>
-      <p:pic>
-        <p:nvPicPr>
-          <p:cNvPr id="9" name="Picture 8">
-            <a:extLst>
-              <a:ext uri="{FF2B5EF4-FFF2-40B4-BE49-F238E27FC236}">
-                <a16:creationId xmlns:a16="http://schemas.microsoft.com/office/drawing/2014/main" id="{E7B75204-5659-4B1D-9039-9024BA7EF61C}"/>
-              </a:ext>
-            </a:extLst>
-          </p:cNvPr>
-          <p:cNvPicPr>
-            <a:picLocks noChangeAspect="1"/>
-          </p:cNvPicPr>
-          <p:nvPr/>
-        </p:nvPicPr>
-        <p:blipFill>
-          <a:blip r:embed="rId6"/>
-          <a:stretch>
-            <a:fillRect/>
-          </a:stretch>
-        </p:blipFill>
-        <p:spPr>
-          <a:xfrm>
-            <a:off x="1525332" y="4768393"/>
-            <a:ext cx="6200775" cy="1114425"/>
+            <a:off x="1734611" y="4553306"/>
+            <a:ext cx="3124471" cy="1242168"/>
           </a:xfrm>
           <a:prstGeom prst="rect">
             <a:avLst/>
@@ -17749,43 +16973,19 @@
             <a:endParaRPr lang="sv-SE" dirty="0"/>
           </a:p>
           <a:p>
-            <a:pPr lvl="1"/>
+            <a:pPr marL="457200" lvl="1" indent="0">
+              <a:buNone/>
+            </a:pPr>
             <a:endParaRPr lang="sv-SE" dirty="0"/>
-          </a:p>
-          <a:p>
-            <a:pPr lvl="1"/>
-            <a:r>
-              <a:rPr lang="sv-SE" dirty="0"/>
-              <a:t>Tekniskt kan vi utelämna </a:t>
-            </a:r>
-            <a:r>
-              <a:rPr lang="sv-SE" dirty="0" err="1"/>
-              <a:t>paranteserna</a:t>
-            </a:r>
-            <a:r>
-              <a:rPr lang="sv-SE" dirty="0"/>
-              <a:t> runt </a:t>
-            </a:r>
-            <a:r>
-              <a:rPr lang="sv-SE" dirty="0">
-                <a:solidFill>
-                  <a:schemeClr val="tx2">
-                    <a:lumMod val="75000"/>
-                    <a:lumOff val="25000"/>
-                  </a:schemeClr>
-                </a:solidFill>
-              </a:rPr>
-              <a:t>age &gt; 18</a:t>
-            </a:r>
           </a:p>
         </p:txBody>
       </p:sp>
       <p:pic>
         <p:nvPicPr>
-          <p:cNvPr id="8" name="Picture 7" descr="A screenshot of a cell phone&#10;&#10;Description automatically generated">
+          <p:cNvPr id="4" name="Picture 3">
             <a:extLst>
               <a:ext uri="{FF2B5EF4-FFF2-40B4-BE49-F238E27FC236}">
-                <a16:creationId xmlns:a16="http://schemas.microsoft.com/office/drawing/2014/main" id="{12120D13-451E-457D-BB77-900DED89DBB7}"/>
+                <a16:creationId xmlns:a16="http://schemas.microsoft.com/office/drawing/2014/main" id="{61357ED7-DDB2-31C3-B02B-013B121A464B}"/>
               </a:ext>
             </a:extLst>
           </p:cNvPr>
@@ -17802,21 +17002,20 @@
         </p:blipFill>
         <p:spPr>
           <a:xfrm>
-            <a:off x="1491995" y="1095828"/>
-            <a:ext cx="4800600" cy="1188148"/>
+            <a:off x="7952325" y="1221550"/>
+            <a:ext cx="3036241" cy="2207450"/>
           </a:xfrm>
           <a:prstGeom prst="rect">
             <a:avLst/>
           </a:prstGeom>
-          <a:noFill/>
         </p:spPr>
       </p:pic>
       <p:pic>
         <p:nvPicPr>
-          <p:cNvPr id="10" name="Picture 9">
+          <p:cNvPr id="7" name="Picture 6">
             <a:extLst>
               <a:ext uri="{FF2B5EF4-FFF2-40B4-BE49-F238E27FC236}">
-                <a16:creationId xmlns:a16="http://schemas.microsoft.com/office/drawing/2014/main" id="{4FC12533-E950-41CD-B40E-580A1972C488}"/>
+                <a16:creationId xmlns:a16="http://schemas.microsoft.com/office/drawing/2014/main" id="{03CA60A3-501C-B21D-60F9-E494506D3A14}"/>
               </a:ext>
             </a:extLst>
           </p:cNvPr>
@@ -17833,8 +17032,8 @@
         </p:blipFill>
         <p:spPr>
           <a:xfrm>
-            <a:off x="8166568" y="2350284"/>
-            <a:ext cx="2629261" cy="1413848"/>
+            <a:off x="4417290" y="3940530"/>
+            <a:ext cx="3763324" cy="486798"/>
           </a:xfrm>
           <a:prstGeom prst="rect">
             <a:avLst/>
@@ -17843,10 +17042,10 @@
       </p:pic>
       <p:pic>
         <p:nvPicPr>
-          <p:cNvPr id="11" name="Picture 10">
+          <p:cNvPr id="13" name="Picture 12">
             <a:extLst>
               <a:ext uri="{FF2B5EF4-FFF2-40B4-BE49-F238E27FC236}">
-                <a16:creationId xmlns:a16="http://schemas.microsoft.com/office/drawing/2014/main" id="{355BC0DE-B409-4E9C-96A8-2B889D6E090E}"/>
+                <a16:creationId xmlns:a16="http://schemas.microsoft.com/office/drawing/2014/main" id="{E48FC08A-41ED-50B4-0331-A2A227151A3B}"/>
               </a:ext>
             </a:extLst>
           </p:cNvPr>
@@ -17863,38 +17062,8 @@
         </p:blipFill>
         <p:spPr>
           <a:xfrm>
-            <a:off x="1982532" y="4193026"/>
-            <a:ext cx="4629715" cy="380999"/>
-          </a:xfrm>
-          <a:prstGeom prst="rect">
-            <a:avLst/>
-          </a:prstGeom>
-        </p:spPr>
-      </p:pic>
-      <p:pic>
-        <p:nvPicPr>
-          <p:cNvPr id="12" name="Picture 11">
-            <a:extLst>
-              <a:ext uri="{FF2B5EF4-FFF2-40B4-BE49-F238E27FC236}">
-                <a16:creationId xmlns:a16="http://schemas.microsoft.com/office/drawing/2014/main" id="{2767A4A4-9BC0-4268-B028-D1981EEC1415}"/>
-              </a:ext>
-            </a:extLst>
-          </p:cNvPr>
-          <p:cNvPicPr>
-            <a:picLocks noChangeAspect="1"/>
-          </p:cNvPicPr>
-          <p:nvPr/>
-        </p:nvPicPr>
-        <p:blipFill>
-          <a:blip r:embed="rId6"/>
-          <a:stretch>
-            <a:fillRect/>
-          </a:stretch>
-        </p:blipFill>
-        <p:spPr>
-          <a:xfrm>
-            <a:off x="1982532" y="5070905"/>
-            <a:ext cx="5270610" cy="494893"/>
+            <a:off x="2848057" y="5241471"/>
+            <a:ext cx="4406088" cy="750595"/>
           </a:xfrm>
           <a:prstGeom prst="rect">
             <a:avLst/>
@@ -18879,18 +18048,18 @@
 </file>
 
 <file path=customXml/item2.xml><?xml version="1.0" encoding="utf-8"?>
-<p:properties xmlns:p="http://schemas.microsoft.com/office/2006/metadata/properties" xmlns:xsi="http://www.w3.org/2001/XMLSchema-instance" xmlns:pc="http://schemas.microsoft.com/office/infopath/2007/PartnerControls">
-  <documentManagement/>
-</p:properties>
-</file>
-
-<file path=customXml/item3.xml><?xml version="1.0" encoding="utf-8"?>
 <?mso-contentType ?>
 <FormTemplates xmlns="http://schemas.microsoft.com/sharepoint/v3/contenttype/forms">
   <Display>DocumentLibraryForm</Display>
   <Edit>DocumentLibraryForm</Edit>
   <New>DocumentLibraryForm</New>
 </FormTemplates>
+</file>
+
+<file path=customXml/item3.xml><?xml version="1.0" encoding="utf-8"?>
+<p:properties xmlns:p="http://schemas.microsoft.com/office/2006/metadata/properties" xmlns:xsi="http://www.w3.org/2001/XMLSchema-instance" xmlns:pc="http://schemas.microsoft.com/office/infopath/2007/PartnerControls">
+  <documentManagement/>
+</p:properties>
 </file>
 
 <file path=customXml/itemProps1.xml><?xml version="1.0" encoding="utf-8"?>
@@ -18910,6 +18079,14 @@
 </file>
 
 <file path=customXml/itemProps2.xml><?xml version="1.0" encoding="utf-8"?>
+<ds:datastoreItem xmlns:ds="http://schemas.openxmlformats.org/officeDocument/2006/customXml" ds:itemID="{52D0167F-E486-4F9B-83E2-993954E11F03}">
+  <ds:schemaRefs>
+    <ds:schemaRef ds:uri="http://schemas.microsoft.com/sharepoint/v3/contenttype/forms"/>
+  </ds:schemaRefs>
+</ds:datastoreItem>
+</file>
+
+<file path=customXml/itemProps3.xml><?xml version="1.0" encoding="utf-8"?>
 <ds:datastoreItem xmlns:ds="http://schemas.openxmlformats.org/officeDocument/2006/customXml" ds:itemID="{BDB3E54F-9BB9-4821-81E3-A4EFEC7BD0AD}">
   <ds:schemaRefs>
     <ds:schemaRef ds:uri="http://purl.org/dc/elements/1.1/"/>
@@ -18922,12 +18099,4 @@
     <ds:schemaRef ds:uri="http://schemas.openxmlformats.org/package/2006/metadata/core-properties"/>
   </ds:schemaRefs>
 </ds:datastoreItem>
-</file>
-
-<file path=customXml/itemProps3.xml><?xml version="1.0" encoding="utf-8"?>
-<ds:datastoreItem xmlns:ds="http://schemas.openxmlformats.org/officeDocument/2006/customXml" ds:itemID="{52D0167F-E486-4F9B-83E2-993954E11F03}">
-  <ds:schemaRefs>
-    <ds:schemaRef ds:uri="http://schemas.microsoft.com/sharepoint/v3/contenttype/forms"/>
-  </ds:schemaRefs>
-</ds:datastoreItem>
 </file>